--- a/Remote sys.pptx
+++ b/Remote sys.pptx
@@ -6,7 +6,7 @@
   </p:sldMasterIdLst>
   <p:sldIdLst>
     <p:sldId id="286" r:id="rId2"/>
-    <p:sldId id="287" r:id="rId3"/>
+    <p:sldId id="288" r:id="rId3"/>
     <p:sldId id="257" r:id="rId4"/>
     <p:sldId id="258" r:id="rId5"/>
     <p:sldId id="259" r:id="rId6"/>
@@ -291,7 +291,7 @@
           <a:p>
             <a:fld id="{04AAD52B-A57E-4455-A166-C86B190C6E6B}" type="datetimeFigureOut">
               <a:rPr lang="zh-CN" altLang="en-US" smtClean="0"/>
-              <a:t>2022/10/24</a:t>
+              <a:t>2022/11/7</a:t>
             </a:fld>
             <a:endParaRPr lang="zh-CN" altLang="en-US"/>
           </a:p>
@@ -523,7 +523,7 @@
           <a:p>
             <a:fld id="{04AAD52B-A57E-4455-A166-C86B190C6E6B}" type="datetimeFigureOut">
               <a:rPr lang="zh-CN" altLang="en-US" smtClean="0"/>
-              <a:t>2022/10/24</a:t>
+              <a:t>2022/11/7</a:t>
             </a:fld>
             <a:endParaRPr lang="zh-CN" altLang="en-US"/>
           </a:p>
@@ -765,7 +765,7 @@
           <a:p>
             <a:fld id="{04AAD52B-A57E-4455-A166-C86B190C6E6B}" type="datetimeFigureOut">
               <a:rPr lang="zh-CN" altLang="en-US" smtClean="0"/>
-              <a:t>2022/10/24</a:t>
+              <a:t>2022/11/7</a:t>
             </a:fld>
             <a:endParaRPr lang="zh-CN" altLang="en-US"/>
           </a:p>
@@ -997,7 +997,7 @@
           <a:p>
             <a:fld id="{04AAD52B-A57E-4455-A166-C86B190C6E6B}" type="datetimeFigureOut">
               <a:rPr lang="zh-CN" altLang="en-US" smtClean="0"/>
-              <a:t>2022/10/24</a:t>
+              <a:t>2022/11/7</a:t>
             </a:fld>
             <a:endParaRPr lang="zh-CN" altLang="en-US"/>
           </a:p>
@@ -1273,7 +1273,7 @@
           <a:p>
             <a:fld id="{04AAD52B-A57E-4455-A166-C86B190C6E6B}" type="datetimeFigureOut">
               <a:rPr lang="zh-CN" altLang="en-US" smtClean="0"/>
-              <a:t>2022/10/24</a:t>
+              <a:t>2022/11/7</a:t>
             </a:fld>
             <a:endParaRPr lang="zh-CN" altLang="en-US"/>
           </a:p>
@@ -1605,7 +1605,7 @@
           <a:p>
             <a:fld id="{04AAD52B-A57E-4455-A166-C86B190C6E6B}" type="datetimeFigureOut">
               <a:rPr lang="zh-CN" altLang="en-US" smtClean="0"/>
-              <a:t>2022/10/24</a:t>
+              <a:t>2022/11/7</a:t>
             </a:fld>
             <a:endParaRPr lang="zh-CN" altLang="en-US"/>
           </a:p>
@@ -2084,7 +2084,7 @@
           <a:p>
             <a:fld id="{04AAD52B-A57E-4455-A166-C86B190C6E6B}" type="datetimeFigureOut">
               <a:rPr lang="zh-CN" altLang="en-US" smtClean="0"/>
-              <a:t>2022/10/24</a:t>
+              <a:t>2022/11/7</a:t>
             </a:fld>
             <a:endParaRPr lang="zh-CN" altLang="en-US"/>
           </a:p>
@@ -2226,7 +2226,7 @@
           <a:p>
             <a:fld id="{04AAD52B-A57E-4455-A166-C86B190C6E6B}" type="datetimeFigureOut">
               <a:rPr lang="zh-CN" altLang="en-US" smtClean="0"/>
-              <a:t>2022/10/24</a:t>
+              <a:t>2022/11/7</a:t>
             </a:fld>
             <a:endParaRPr lang="zh-CN" altLang="en-US"/>
           </a:p>
@@ -2339,7 +2339,7 @@
           <a:p>
             <a:fld id="{04AAD52B-A57E-4455-A166-C86B190C6E6B}" type="datetimeFigureOut">
               <a:rPr lang="zh-CN" altLang="en-US" smtClean="0"/>
-              <a:t>2022/10/24</a:t>
+              <a:t>2022/11/7</a:t>
             </a:fld>
             <a:endParaRPr lang="zh-CN" altLang="en-US"/>
           </a:p>
@@ -2684,7 +2684,7 @@
           <a:p>
             <a:fld id="{04AAD52B-A57E-4455-A166-C86B190C6E6B}" type="datetimeFigureOut">
               <a:rPr lang="zh-CN" altLang="en-US" smtClean="0"/>
-              <a:t>2022/10/24</a:t>
+              <a:t>2022/11/7</a:t>
             </a:fld>
             <a:endParaRPr lang="zh-CN" altLang="en-US"/>
           </a:p>
@@ -2973,7 +2973,7 @@
           <a:p>
             <a:fld id="{04AAD52B-A57E-4455-A166-C86B190C6E6B}" type="datetimeFigureOut">
               <a:rPr lang="zh-CN" altLang="en-US" smtClean="0"/>
-              <a:t>2022/10/24</a:t>
+              <a:t>2022/11/7</a:t>
             </a:fld>
             <a:endParaRPr lang="zh-CN" altLang="en-US"/>
           </a:p>
@@ -3248,7 +3248,7 @@
           <a:p>
             <a:fld id="{04AAD52B-A57E-4455-A166-C86B190C6E6B}" type="datetimeFigureOut">
               <a:rPr lang="zh-CN" altLang="en-US" smtClean="0"/>
-              <a:t>2022/10/24</a:t>
+              <a:t>2022/11/7</a:t>
             </a:fld>
             <a:endParaRPr lang="zh-CN" altLang="en-US"/>
           </a:p>
@@ -6208,8 +6208,8 @@
         </p:nvCxnSpPr>
         <p:spPr>
           <a:xfrm flipV="1">
-            <a:off x="7110515" y="5070764"/>
-            <a:ext cx="1119831" cy="1259305"/>
+            <a:off x="7110515" y="5169205"/>
+            <a:ext cx="1287602" cy="1160864"/>
           </a:xfrm>
           <a:prstGeom prst="bentConnector2">
             <a:avLst/>
@@ -6296,7 +6296,7 @@
         </p:nvSpPr>
         <p:spPr>
           <a:xfrm>
-            <a:off x="6396183" y="5273146"/>
+            <a:off x="10835026" y="5273147"/>
             <a:ext cx="1168400" cy="307777"/>
           </a:xfrm>
           <a:prstGeom prst="rect">
@@ -6339,8 +6339,8 @@
         </p:nvSpPr>
         <p:spPr>
           <a:xfrm>
-            <a:off x="2315570" y="2046560"/>
-            <a:ext cx="2567413" cy="2104787"/>
+            <a:off x="2315570" y="1650670"/>
+            <a:ext cx="2799878" cy="2500677"/>
           </a:xfrm>
           <a:prstGeom prst="rect">
             <a:avLst/>
@@ -6408,8 +6408,8 @@
         </p:nvSpPr>
         <p:spPr>
           <a:xfrm>
-            <a:off x="2713310" y="3309873"/>
-            <a:ext cx="1273298" cy="726206"/>
+            <a:off x="2837429" y="3348423"/>
+            <a:ext cx="1647485" cy="680490"/>
           </a:xfrm>
           <a:prstGeom prst="rect">
             <a:avLst/>
@@ -6483,8 +6483,8 @@
         </p:nvCxnSpPr>
         <p:spPr>
           <a:xfrm rot="16200000" flipH="1">
-            <a:off x="3171437" y="4246593"/>
-            <a:ext cx="1205722" cy="2961229"/>
+            <a:off x="3293896" y="4369052"/>
+            <a:ext cx="1160864" cy="2761169"/>
           </a:xfrm>
           <a:prstGeom prst="bentConnector2">
             <a:avLst/>
@@ -6606,8 +6606,8 @@
         </p:nvSpPr>
         <p:spPr>
           <a:xfrm>
-            <a:off x="2645832" y="2353018"/>
-            <a:ext cx="1735525" cy="726206"/>
+            <a:off x="2685620" y="1998026"/>
+            <a:ext cx="1799294" cy="816789"/>
           </a:xfrm>
           <a:prstGeom prst="rect">
             <a:avLst/>
@@ -6639,7 +6639,7 @@
           </a:fontRef>
         </p:style>
         <p:txBody>
-          <a:bodyPr rtlCol="0" anchor="ctr"/>
+          <a:bodyPr rtlCol="0" anchor="t"/>
           <a:lstStyle/>
           <a:p>
             <a:pPr algn="ctr"/>
@@ -6653,7 +6653,10 @@
               </a:rPr>
               <a:t>Mode Selection</a:t>
             </a:r>
-            <a:endParaRPr lang="en-US" altLang="ja-JP" sz="800" b="1" dirty="0">
+          </a:p>
+          <a:p>
+            <a:pPr algn="ctr"/>
+            <a:endParaRPr lang="en-US" altLang="ja-JP" sz="700" b="1" dirty="0">
               <a:solidFill>
                 <a:schemeClr val="tx1"/>
               </a:solidFill>
@@ -6664,33 +6667,33 @@
           <a:p>
             <a:pPr algn="just"/>
             <a:r>
-              <a:rPr lang="en-US" altLang="zh-CN" sz="800" b="1" dirty="0">
+              <a:rPr lang="en-US" altLang="zh-CN" sz="700" b="1" dirty="0">
                 <a:solidFill>
                   <a:schemeClr val="tx1"/>
                 </a:solidFill>
                 <a:latin typeface="Times New Roman" panose="02020603050405020304" pitchFamily="18" charset="0"/>
                 <a:cs typeface="Times New Roman" panose="02020603050405020304" pitchFamily="18" charset="0"/>
               </a:rPr>
-              <a:t>1-automatic</a:t>
+              <a:t>1-automatic                   5-precheck</a:t>
             </a:r>
           </a:p>
           <a:p>
             <a:pPr algn="just"/>
             <a:r>
-              <a:rPr lang="en-US" altLang="zh-CN" sz="800" b="1" dirty="0">
+              <a:rPr lang="en-US" altLang="zh-CN" sz="700" b="1" dirty="0">
                 <a:solidFill>
                   <a:schemeClr val="tx1"/>
                 </a:solidFill>
                 <a:latin typeface="Times New Roman" panose="02020603050405020304" pitchFamily="18" charset="0"/>
                 <a:cs typeface="Times New Roman" panose="02020603050405020304" pitchFamily="18" charset="0"/>
               </a:rPr>
-              <a:t>2-manual</a:t>
+              <a:t>2-manual                       6-download library</a:t>
             </a:r>
           </a:p>
           <a:p>
             <a:pPr algn="just"/>
             <a:r>
-              <a:rPr lang="en-US" altLang="zh-CN" sz="800" b="1" dirty="0">
+              <a:rPr lang="en-US" altLang="zh-CN" sz="700" b="1" dirty="0">
                 <a:solidFill>
                   <a:schemeClr val="tx1"/>
                 </a:solidFill>
@@ -6703,7 +6706,7 @@
           <a:p>
             <a:pPr algn="just"/>
             <a:r>
-              <a:rPr lang="en-US" altLang="zh-CN" sz="800" b="1" dirty="0">
+              <a:rPr lang="en-US" altLang="zh-CN" sz="700" b="1" dirty="0">
                 <a:solidFill>
                   <a:schemeClr val="tx1"/>
                 </a:solidFill>
@@ -6712,13 +6715,6 @@
               </a:rPr>
               <a:t>4-reload_library</a:t>
             </a:r>
-            <a:endParaRPr lang="zh-CN" altLang="en-US" sz="800" b="1" dirty="0">
-              <a:solidFill>
-                <a:schemeClr val="tx1"/>
-              </a:solidFill>
-              <a:latin typeface="Times New Roman" panose="02020603050405020304" pitchFamily="18" charset="0"/>
-              <a:cs typeface="Times New Roman" panose="02020603050405020304" pitchFamily="18" charset="0"/>
-            </a:endParaRPr>
           </a:p>
         </p:txBody>
       </p:sp>
@@ -6740,8 +6736,8 @@
         </p:nvCxnSpPr>
         <p:spPr>
           <a:xfrm flipH="1">
-            <a:off x="1242997" y="2716121"/>
-            <a:ext cx="1402835" cy="609047"/>
+            <a:off x="1242997" y="2406421"/>
+            <a:ext cx="1442623" cy="918747"/>
           </a:xfrm>
           <a:prstGeom prst="straightConnector1">
             <a:avLst/>
@@ -6787,7 +6783,7 @@
         <p:spPr>
           <a:xfrm>
             <a:off x="1242997" y="3325168"/>
-            <a:ext cx="1470313" cy="347808"/>
+            <a:ext cx="1594432" cy="363500"/>
           </a:xfrm>
           <a:prstGeom prst="straightConnector1">
             <a:avLst/>
@@ -6827,8 +6823,8 @@
           <p:nvPr/>
         </p:nvSpPr>
         <p:spPr>
-          <a:xfrm rot="20145352">
-            <a:off x="1551082" y="2871249"/>
+          <a:xfrm rot="19856956">
+            <a:off x="1543681" y="2778912"/>
             <a:ext cx="525723" cy="215444"/>
           </a:xfrm>
           <a:prstGeom prst="rect">
@@ -6963,8 +6959,8 @@
         </p:nvSpPr>
         <p:spPr>
           <a:xfrm>
-            <a:off x="1606783" y="4798760"/>
-            <a:ext cx="1373802" cy="325587"/>
+            <a:off x="1874076" y="4853659"/>
+            <a:ext cx="1239336" cy="315546"/>
           </a:xfrm>
           <a:prstGeom prst="rect">
             <a:avLst/>
@@ -7028,15 +7024,15 @@
           </p:cNvPr>
           <p:cNvCxnSpPr>
             <a:cxnSpLocks/>
-            <a:stCxn id="22" idx="2"/>
+            <a:stCxn id="113" idx="2"/>
             <a:endCxn id="16" idx="0"/>
           </p:cNvCxnSpPr>
           <p:nvPr/>
         </p:nvCxnSpPr>
         <p:spPr>
-          <a:xfrm flipH="1">
-            <a:off x="3349959" y="3079224"/>
-            <a:ext cx="163636" cy="230649"/>
+          <a:xfrm>
+            <a:off x="3089255" y="2742548"/>
+            <a:ext cx="571917" cy="605875"/>
           </a:xfrm>
           <a:prstGeom prst="straightConnector1">
             <a:avLst/>
@@ -7081,8 +7077,8 @@
         </p:nvCxnSpPr>
         <p:spPr>
           <a:xfrm flipH="1">
-            <a:off x="2293684" y="4036079"/>
-            <a:ext cx="1056275" cy="762681"/>
+            <a:off x="2493744" y="4028913"/>
+            <a:ext cx="1167428" cy="824746"/>
           </a:xfrm>
           <a:prstGeom prst="straightConnector1">
             <a:avLst/>
@@ -7175,7 +7171,7 @@
         </p:nvSpPr>
         <p:spPr>
           <a:xfrm>
-            <a:off x="10396420" y="1879234"/>
+            <a:off x="9978037" y="2621682"/>
             <a:ext cx="819037" cy="334652"/>
           </a:xfrm>
           <a:prstGeom prst="rect">
@@ -7243,7 +7239,7 @@
         </p:nvSpPr>
         <p:spPr>
           <a:xfrm>
-            <a:off x="10313766" y="3509730"/>
+            <a:off x="9551068" y="1278815"/>
             <a:ext cx="819036" cy="334651"/>
           </a:xfrm>
           <a:prstGeom prst="rect">
@@ -7311,8 +7307,8 @@
         </p:nvSpPr>
         <p:spPr>
           <a:xfrm>
-            <a:off x="7633366" y="4770153"/>
-            <a:ext cx="1193959" cy="300611"/>
+            <a:off x="7883411" y="4892174"/>
+            <a:ext cx="1029412" cy="277031"/>
           </a:xfrm>
           <a:prstGeom prst="rect">
             <a:avLst/>
@@ -7353,7 +7349,7 @@
                 <a:latin typeface="Times New Roman" panose="02020603050405020304" pitchFamily="18" charset="0"/>
                 <a:cs typeface="Times New Roman" panose="02020603050405020304" pitchFamily="18" charset="0"/>
               </a:rPr>
-              <a:t>MessageHandlerSub()</a:t>
+              <a:t>RPCHandlerSub()</a:t>
             </a:r>
             <a:endParaRPr lang="zh-CN" altLang="en-US" sz="800" b="1" dirty="0">
               <a:solidFill>
@@ -7379,8 +7375,8 @@
         </p:nvSpPr>
         <p:spPr>
           <a:xfrm>
-            <a:off x="6590500" y="2237849"/>
-            <a:ext cx="2567413" cy="2104787"/>
+            <a:off x="6760708" y="1787237"/>
+            <a:ext cx="2768626" cy="2555400"/>
           </a:xfrm>
           <a:prstGeom prst="rect">
             <a:avLst/>
@@ -7434,12 +7430,328 @@
           </a:p>
         </p:txBody>
       </p:sp>
-      <p:sp>
-        <p:nvSpPr>
-          <p:cNvPr id="93" name="正方形/長方形 92">
-            <a:extLst>
-              <a:ext uri="{FF2B5EF4-FFF2-40B4-BE49-F238E27FC236}">
-                <a16:creationId xmlns:a16="http://schemas.microsoft.com/office/drawing/2014/main" id="{89C9D514-3F21-484E-0FD0-3622048A1BDA}"/>
+      <p:cxnSp>
+        <p:nvCxnSpPr>
+          <p:cNvPr id="94" name="直線矢印コネクタ 93">
+            <a:extLst>
+              <a:ext uri="{FF2B5EF4-FFF2-40B4-BE49-F238E27FC236}">
+                <a16:creationId xmlns:a16="http://schemas.microsoft.com/office/drawing/2014/main" id="{2F898DB3-676F-904A-0105-1BBB2D08CF78}"/>
+              </a:ext>
+            </a:extLst>
+          </p:cNvPr>
+          <p:cNvCxnSpPr>
+            <a:cxnSpLocks/>
+            <a:stCxn id="89" idx="0"/>
+            <a:endCxn id="179" idx="2"/>
+          </p:cNvCxnSpPr>
+          <p:nvPr/>
+        </p:nvCxnSpPr>
+        <p:spPr>
+          <a:xfrm flipH="1" flipV="1">
+            <a:off x="7929810" y="3605694"/>
+            <a:ext cx="468307" cy="1286480"/>
+          </a:xfrm>
+          <a:prstGeom prst="straightConnector1">
+            <a:avLst/>
+          </a:prstGeom>
+          <a:ln>
+            <a:solidFill>
+              <a:schemeClr val="tx1"/>
+            </a:solidFill>
+            <a:tailEnd type="triangle"/>
+          </a:ln>
+        </p:spPr>
+        <p:style>
+          <a:lnRef idx="1">
+            <a:schemeClr val="accent1"/>
+          </a:lnRef>
+          <a:fillRef idx="0">
+            <a:schemeClr val="accent1"/>
+          </a:fillRef>
+          <a:effectRef idx="0">
+            <a:schemeClr val="accent1"/>
+          </a:effectRef>
+          <a:fontRef idx="minor">
+            <a:schemeClr val="tx1"/>
+          </a:fontRef>
+        </p:style>
+      </p:cxnSp>
+      <p:sp>
+        <p:nvSpPr>
+          <p:cNvPr id="98" name="テキスト ボックス 97">
+            <a:extLst>
+              <a:ext uri="{FF2B5EF4-FFF2-40B4-BE49-F238E27FC236}">
+                <a16:creationId xmlns:a16="http://schemas.microsoft.com/office/drawing/2014/main" id="{4E50B2D6-B39C-B9B9-A567-A2BE106E18AA}"/>
+              </a:ext>
+            </a:extLst>
+          </p:cNvPr>
+          <p:cNvSpPr txBox="1"/>
+          <p:nvPr/>
+        </p:nvSpPr>
+        <p:spPr>
+          <a:xfrm>
+            <a:off x="7173666" y="6322754"/>
+            <a:ext cx="1045702" cy="246221"/>
+          </a:xfrm>
+          <a:prstGeom prst="rect">
+            <a:avLst/>
+          </a:prstGeom>
+          <a:noFill/>
+        </p:spPr>
+        <p:txBody>
+          <a:bodyPr wrap="square" rtlCol="0">
+            <a:spAutoFit/>
+          </a:bodyPr>
+          <a:lstStyle/>
+          <a:p>
+            <a:pPr algn="ctr"/>
+            <a:r>
+              <a:rPr lang="en-US" altLang="zh-CN" sz="1000" dirty="0">
+                <a:solidFill>
+                  <a:srgbClr val="FF0000"/>
+                </a:solidFill>
+                <a:latin typeface="Times New Roman" panose="02020603050405020304" pitchFamily="18" charset="0"/>
+                <a:cs typeface="Times New Roman" panose="02020603050405020304" pitchFamily="18" charset="0"/>
+              </a:rPr>
+              <a:t>172.17.0.3:1883</a:t>
+            </a:r>
+            <a:endParaRPr lang="zh-CN" altLang="en-US" sz="1000" dirty="0">
+              <a:solidFill>
+                <a:srgbClr val="FF0000"/>
+              </a:solidFill>
+              <a:latin typeface="Times New Roman" panose="02020603050405020304" pitchFamily="18" charset="0"/>
+              <a:cs typeface="Times New Roman" panose="02020603050405020304" pitchFamily="18" charset="0"/>
+            </a:endParaRPr>
+          </a:p>
+        </p:txBody>
+      </p:sp>
+      <p:cxnSp>
+        <p:nvCxnSpPr>
+          <p:cNvPr id="114" name="直線矢印コネクタ 113">
+            <a:extLst>
+              <a:ext uri="{FF2B5EF4-FFF2-40B4-BE49-F238E27FC236}">
+                <a16:creationId xmlns:a16="http://schemas.microsoft.com/office/drawing/2014/main" id="{0DC0CA81-C1EC-0E02-2600-A4C6500EC4A2}"/>
+              </a:ext>
+            </a:extLst>
+          </p:cNvPr>
+          <p:cNvCxnSpPr>
+            <a:cxnSpLocks/>
+            <a:stCxn id="178" idx="3"/>
+            <a:endCxn id="84" idx="1"/>
+          </p:cNvCxnSpPr>
+          <p:nvPr/>
+        </p:nvCxnSpPr>
+        <p:spPr>
+          <a:xfrm>
+            <a:off x="8404508" y="2684218"/>
+            <a:ext cx="1573529" cy="104790"/>
+          </a:xfrm>
+          <a:prstGeom prst="straightConnector1">
+            <a:avLst/>
+          </a:prstGeom>
+          <a:ln>
+            <a:solidFill>
+              <a:schemeClr val="tx1"/>
+            </a:solidFill>
+            <a:tailEnd type="triangle"/>
+          </a:ln>
+        </p:spPr>
+        <p:style>
+          <a:lnRef idx="1">
+            <a:schemeClr val="accent1"/>
+          </a:lnRef>
+          <a:fillRef idx="0">
+            <a:schemeClr val="accent1"/>
+          </a:fillRef>
+          <a:effectRef idx="0">
+            <a:schemeClr val="accent1"/>
+          </a:effectRef>
+          <a:fontRef idx="minor">
+            <a:schemeClr val="tx1"/>
+          </a:fontRef>
+        </p:style>
+      </p:cxnSp>
+      <p:cxnSp>
+        <p:nvCxnSpPr>
+          <p:cNvPr id="117" name="直線矢印コネクタ 116">
+            <a:extLst>
+              <a:ext uri="{FF2B5EF4-FFF2-40B4-BE49-F238E27FC236}">
+                <a16:creationId xmlns:a16="http://schemas.microsoft.com/office/drawing/2014/main" id="{EA7FAA88-0369-4BDC-0301-37E92354E197}"/>
+              </a:ext>
+            </a:extLst>
+          </p:cNvPr>
+          <p:cNvCxnSpPr>
+            <a:cxnSpLocks/>
+            <a:stCxn id="178" idx="3"/>
+            <a:endCxn id="85" idx="2"/>
+          </p:cNvCxnSpPr>
+          <p:nvPr/>
+        </p:nvCxnSpPr>
+        <p:spPr>
+          <a:xfrm flipV="1">
+            <a:off x="8404508" y="1613466"/>
+            <a:ext cx="1556078" cy="1070752"/>
+          </a:xfrm>
+          <a:prstGeom prst="straightConnector1">
+            <a:avLst/>
+          </a:prstGeom>
+          <a:ln>
+            <a:solidFill>
+              <a:schemeClr val="tx1"/>
+            </a:solidFill>
+            <a:tailEnd type="triangle"/>
+          </a:ln>
+        </p:spPr>
+        <p:style>
+          <a:lnRef idx="1">
+            <a:schemeClr val="accent1"/>
+          </a:lnRef>
+          <a:fillRef idx="0">
+            <a:schemeClr val="accent1"/>
+          </a:fillRef>
+          <a:effectRef idx="0">
+            <a:schemeClr val="accent1"/>
+          </a:effectRef>
+          <a:fontRef idx="minor">
+            <a:schemeClr val="tx1"/>
+          </a:fontRef>
+        </p:style>
+      </p:cxnSp>
+      <p:sp>
+        <p:nvSpPr>
+          <p:cNvPr id="120" name="テキスト ボックス 119">
+            <a:extLst>
+              <a:ext uri="{FF2B5EF4-FFF2-40B4-BE49-F238E27FC236}">
+                <a16:creationId xmlns:a16="http://schemas.microsoft.com/office/drawing/2014/main" id="{BAB92C69-BF2B-E769-D4C6-99B46F4101EA}"/>
+              </a:ext>
+            </a:extLst>
+          </p:cNvPr>
+          <p:cNvSpPr txBox="1"/>
+          <p:nvPr/>
+        </p:nvSpPr>
+        <p:spPr>
+          <a:xfrm rot="19403030">
+            <a:off x="8411888" y="2125831"/>
+            <a:ext cx="1018939" cy="215444"/>
+          </a:xfrm>
+          <a:prstGeom prst="rect">
+            <a:avLst/>
+          </a:prstGeom>
+          <a:noFill/>
+        </p:spPr>
+        <p:txBody>
+          <a:bodyPr wrap="square" rtlCol="0">
+            <a:spAutoFit/>
+          </a:bodyPr>
+          <a:lstStyle/>
+          <a:p>
+            <a:pPr algn="ctr"/>
+            <a:r>
+              <a:rPr lang="en-US" altLang="zh-CN" sz="800" dirty="0">
+                <a:latin typeface="Times New Roman" panose="02020603050405020304" pitchFamily="18" charset="0"/>
+                <a:cs typeface="Times New Roman" panose="02020603050405020304" pitchFamily="18" charset="0"/>
+              </a:rPr>
+              <a:t>Pub key_operation</a:t>
+            </a:r>
+            <a:endParaRPr lang="zh-CN" altLang="en-US" sz="800" dirty="0">
+              <a:latin typeface="Times New Roman" panose="02020603050405020304" pitchFamily="18" charset="0"/>
+              <a:cs typeface="Times New Roman" panose="02020603050405020304" pitchFamily="18" charset="0"/>
+            </a:endParaRPr>
+          </a:p>
+        </p:txBody>
+      </p:sp>
+      <p:sp>
+        <p:nvSpPr>
+          <p:cNvPr id="121" name="テキスト ボックス 120">
+            <a:extLst>
+              <a:ext uri="{FF2B5EF4-FFF2-40B4-BE49-F238E27FC236}">
+                <a16:creationId xmlns:a16="http://schemas.microsoft.com/office/drawing/2014/main" id="{0B3532FE-15BA-0CE7-16C8-C07D0C7B946B}"/>
+              </a:ext>
+            </a:extLst>
+          </p:cNvPr>
+          <p:cNvSpPr txBox="1"/>
+          <p:nvPr/>
+        </p:nvSpPr>
+        <p:spPr>
+          <a:xfrm rot="19399493">
+            <a:off x="8703097" y="2311368"/>
+            <a:ext cx="562569" cy="215444"/>
+          </a:xfrm>
+          <a:prstGeom prst="rect">
+            <a:avLst/>
+          </a:prstGeom>
+          <a:noFill/>
+        </p:spPr>
+        <p:txBody>
+          <a:bodyPr wrap="square" rtlCol="0">
+            <a:spAutoFit/>
+          </a:bodyPr>
+          <a:lstStyle/>
+          <a:p>
+            <a:pPr algn="ctr"/>
+            <a:r>
+              <a:rPr lang="en-US" altLang="zh-CN" sz="800" dirty="0">
+                <a:latin typeface="Times New Roman" panose="02020603050405020304" pitchFamily="18" charset="0"/>
+                <a:cs typeface="Times New Roman" panose="02020603050405020304" pitchFamily="18" charset="0"/>
+              </a:rPr>
+              <a:t>manual</a:t>
+            </a:r>
+            <a:endParaRPr lang="zh-CN" altLang="en-US" sz="800" dirty="0">
+              <a:latin typeface="Times New Roman" panose="02020603050405020304" pitchFamily="18" charset="0"/>
+              <a:cs typeface="Times New Roman" panose="02020603050405020304" pitchFamily="18" charset="0"/>
+            </a:endParaRPr>
+          </a:p>
+        </p:txBody>
+      </p:sp>
+      <p:sp>
+        <p:nvSpPr>
+          <p:cNvPr id="122" name="テキスト ボックス 121">
+            <a:extLst>
+              <a:ext uri="{FF2B5EF4-FFF2-40B4-BE49-F238E27FC236}">
+                <a16:creationId xmlns:a16="http://schemas.microsoft.com/office/drawing/2014/main" id="{2C39228A-8636-2E27-2F3F-8B1FDDD18077}"/>
+              </a:ext>
+            </a:extLst>
+          </p:cNvPr>
+          <p:cNvSpPr txBox="1"/>
+          <p:nvPr/>
+        </p:nvSpPr>
+        <p:spPr>
+          <a:xfrm rot="249497">
+            <a:off x="8869074" y="2552228"/>
+            <a:ext cx="675174" cy="215444"/>
+          </a:xfrm>
+          <a:prstGeom prst="rect">
+            <a:avLst/>
+          </a:prstGeom>
+          <a:noFill/>
+        </p:spPr>
+        <p:txBody>
+          <a:bodyPr wrap="square" rtlCol="0">
+            <a:spAutoFit/>
+          </a:bodyPr>
+          <a:lstStyle/>
+          <a:p>
+            <a:pPr algn="ctr"/>
+            <a:r>
+              <a:rPr lang="en-US" altLang="zh-CN" sz="800" dirty="0">
+                <a:latin typeface="Times New Roman" panose="02020603050405020304" pitchFamily="18" charset="0"/>
+                <a:cs typeface="Times New Roman" panose="02020603050405020304" pitchFamily="18" charset="0"/>
+              </a:rPr>
+              <a:t>automatic</a:t>
+            </a:r>
+            <a:endParaRPr lang="zh-CN" altLang="en-US" sz="900" dirty="0">
+              <a:latin typeface="Times New Roman" panose="02020603050405020304" pitchFamily="18" charset="0"/>
+              <a:cs typeface="Times New Roman" panose="02020603050405020304" pitchFamily="18" charset="0"/>
+            </a:endParaRPr>
+          </a:p>
+        </p:txBody>
+      </p:sp>
+      <p:sp>
+        <p:nvSpPr>
+          <p:cNvPr id="140" name="正方形/長方形 139">
+            <a:extLst>
+              <a:ext uri="{FF2B5EF4-FFF2-40B4-BE49-F238E27FC236}">
+                <a16:creationId xmlns:a16="http://schemas.microsoft.com/office/drawing/2014/main" id="{9B4F1982-1943-D138-79B2-7F872F44C856}"/>
               </a:ext>
             </a:extLst>
           </p:cNvPr>
@@ -7448,8 +7760,1493 @@
         </p:nvSpPr>
         <p:spPr>
           <a:xfrm>
-            <a:off x="7016258" y="2718374"/>
-            <a:ext cx="1651009" cy="935646"/>
+            <a:off x="229587" y="6168581"/>
+            <a:ext cx="401836" cy="161488"/>
+          </a:xfrm>
+          <a:prstGeom prst="rect">
+            <a:avLst/>
+          </a:prstGeom>
+          <a:noFill/>
+          <a:ln w="38100">
+            <a:solidFill>
+              <a:schemeClr val="accent4"/>
+            </a:solidFill>
+          </a:ln>
+        </p:spPr>
+        <p:style>
+          <a:lnRef idx="2">
+            <a:schemeClr val="accent1">
+              <a:shade val="50000"/>
+            </a:schemeClr>
+          </a:lnRef>
+          <a:fillRef idx="1">
+            <a:schemeClr val="accent1"/>
+          </a:fillRef>
+          <a:effectRef idx="0">
+            <a:schemeClr val="accent1"/>
+          </a:effectRef>
+          <a:fontRef idx="minor">
+            <a:schemeClr val="lt1"/>
+          </a:fontRef>
+        </p:style>
+        <p:txBody>
+          <a:bodyPr rtlCol="0" anchor="ctr"/>
+          <a:lstStyle/>
+          <a:p>
+            <a:pPr algn="ctr"/>
+            <a:endParaRPr lang="zh-CN" altLang="en-US" sz="1050" b="1" dirty="0">
+              <a:solidFill>
+                <a:schemeClr val="tx1"/>
+              </a:solidFill>
+              <a:latin typeface="Times New Roman" panose="02020603050405020304" pitchFamily="18" charset="0"/>
+              <a:cs typeface="Times New Roman" panose="02020603050405020304" pitchFamily="18" charset="0"/>
+            </a:endParaRPr>
+          </a:p>
+        </p:txBody>
+      </p:sp>
+      <p:sp>
+        <p:nvSpPr>
+          <p:cNvPr id="141" name="正方形/長方形 140">
+            <a:extLst>
+              <a:ext uri="{FF2B5EF4-FFF2-40B4-BE49-F238E27FC236}">
+                <a16:creationId xmlns:a16="http://schemas.microsoft.com/office/drawing/2014/main" id="{816437CA-4FB9-7174-F454-FB8E30DF6B37}"/>
+              </a:ext>
+            </a:extLst>
+          </p:cNvPr>
+          <p:cNvSpPr/>
+          <p:nvPr/>
+        </p:nvSpPr>
+        <p:spPr>
+          <a:xfrm>
+            <a:off x="230457" y="6513708"/>
+            <a:ext cx="400966" cy="161488"/>
+          </a:xfrm>
+          <a:prstGeom prst="rect">
+            <a:avLst/>
+          </a:prstGeom>
+          <a:noFill/>
+          <a:ln w="38100">
+            <a:solidFill>
+              <a:schemeClr val="tx1"/>
+            </a:solidFill>
+          </a:ln>
+        </p:spPr>
+        <p:style>
+          <a:lnRef idx="2">
+            <a:schemeClr val="accent1">
+              <a:shade val="50000"/>
+            </a:schemeClr>
+          </a:lnRef>
+          <a:fillRef idx="1">
+            <a:schemeClr val="accent1"/>
+          </a:fillRef>
+          <a:effectRef idx="0">
+            <a:schemeClr val="accent1"/>
+          </a:effectRef>
+          <a:fontRef idx="minor">
+            <a:schemeClr val="lt1"/>
+          </a:fontRef>
+        </p:style>
+        <p:txBody>
+          <a:bodyPr rtlCol="0" anchor="ctr"/>
+          <a:lstStyle/>
+          <a:p>
+            <a:pPr algn="ctr"/>
+            <a:endParaRPr lang="zh-CN" altLang="en-US" sz="1050" b="1" dirty="0">
+              <a:solidFill>
+                <a:schemeClr val="tx1"/>
+              </a:solidFill>
+              <a:latin typeface="Times New Roman" panose="02020603050405020304" pitchFamily="18" charset="0"/>
+              <a:cs typeface="Times New Roman" panose="02020603050405020304" pitchFamily="18" charset="0"/>
+            </a:endParaRPr>
+          </a:p>
+        </p:txBody>
+      </p:sp>
+      <p:sp>
+        <p:nvSpPr>
+          <p:cNvPr id="142" name="テキスト ボックス 141">
+            <a:extLst>
+              <a:ext uri="{FF2B5EF4-FFF2-40B4-BE49-F238E27FC236}">
+                <a16:creationId xmlns:a16="http://schemas.microsoft.com/office/drawing/2014/main" id="{B71CCD73-D5E0-80A6-51BE-21F2E83E5420}"/>
+              </a:ext>
+            </a:extLst>
+          </p:cNvPr>
+          <p:cNvSpPr txBox="1"/>
+          <p:nvPr/>
+        </p:nvSpPr>
+        <p:spPr>
+          <a:xfrm>
+            <a:off x="636418" y="6141603"/>
+            <a:ext cx="511399" cy="215444"/>
+          </a:xfrm>
+          <a:prstGeom prst="rect">
+            <a:avLst/>
+          </a:prstGeom>
+          <a:noFill/>
+        </p:spPr>
+        <p:txBody>
+          <a:bodyPr wrap="square" rtlCol="0">
+            <a:spAutoFit/>
+          </a:bodyPr>
+          <a:lstStyle/>
+          <a:p>
+            <a:pPr algn="ctr"/>
+            <a:r>
+              <a:rPr lang="en-US" altLang="zh-CN" sz="800" dirty="0">
+                <a:latin typeface="Times New Roman" panose="02020603050405020304" pitchFamily="18" charset="0"/>
+                <a:cs typeface="Times New Roman" panose="02020603050405020304" pitchFamily="18" charset="0"/>
+              </a:rPr>
+              <a:t>Module</a:t>
+            </a:r>
+            <a:endParaRPr lang="zh-CN" altLang="en-US" sz="800" dirty="0">
+              <a:latin typeface="Times New Roman" panose="02020603050405020304" pitchFamily="18" charset="0"/>
+              <a:cs typeface="Times New Roman" panose="02020603050405020304" pitchFamily="18" charset="0"/>
+            </a:endParaRPr>
+          </a:p>
+        </p:txBody>
+      </p:sp>
+      <p:sp>
+        <p:nvSpPr>
+          <p:cNvPr id="143" name="テキスト ボックス 142">
+            <a:extLst>
+              <a:ext uri="{FF2B5EF4-FFF2-40B4-BE49-F238E27FC236}">
+                <a16:creationId xmlns:a16="http://schemas.microsoft.com/office/drawing/2014/main" id="{8F36DEF0-0848-007B-E028-FD80B5B8CDFD}"/>
+              </a:ext>
+            </a:extLst>
+          </p:cNvPr>
+          <p:cNvSpPr txBox="1"/>
+          <p:nvPr/>
+        </p:nvSpPr>
+        <p:spPr>
+          <a:xfrm>
+            <a:off x="636418" y="6491845"/>
+            <a:ext cx="606579" cy="215444"/>
+          </a:xfrm>
+          <a:prstGeom prst="rect">
+            <a:avLst/>
+          </a:prstGeom>
+          <a:noFill/>
+        </p:spPr>
+        <p:txBody>
+          <a:bodyPr wrap="square" rtlCol="0">
+            <a:spAutoFit/>
+          </a:bodyPr>
+          <a:lstStyle/>
+          <a:p>
+            <a:pPr algn="ctr"/>
+            <a:r>
+              <a:rPr lang="en-US" altLang="zh-CN" sz="800" dirty="0">
+                <a:latin typeface="Times New Roman" panose="02020603050405020304" pitchFamily="18" charset="0"/>
+                <a:cs typeface="Times New Roman" panose="02020603050405020304" pitchFamily="18" charset="0"/>
+              </a:rPr>
+              <a:t>Container</a:t>
+            </a:r>
+            <a:endParaRPr lang="zh-CN" altLang="en-US" sz="800" dirty="0">
+              <a:latin typeface="Times New Roman" panose="02020603050405020304" pitchFamily="18" charset="0"/>
+              <a:cs typeface="Times New Roman" panose="02020603050405020304" pitchFamily="18" charset="0"/>
+            </a:endParaRPr>
+          </a:p>
+        </p:txBody>
+      </p:sp>
+      <p:sp>
+        <p:nvSpPr>
+          <p:cNvPr id="144" name="正方形/長方形 143">
+            <a:extLst>
+              <a:ext uri="{FF2B5EF4-FFF2-40B4-BE49-F238E27FC236}">
+                <a16:creationId xmlns:a16="http://schemas.microsoft.com/office/drawing/2014/main" id="{F8F9FBC8-E7E5-EC9A-34E4-1D805260BAF8}"/>
+              </a:ext>
+            </a:extLst>
+          </p:cNvPr>
+          <p:cNvSpPr/>
+          <p:nvPr/>
+        </p:nvSpPr>
+        <p:spPr>
+          <a:xfrm>
+            <a:off x="225475" y="5834828"/>
+            <a:ext cx="405948" cy="165657"/>
+          </a:xfrm>
+          <a:prstGeom prst="rect">
+            <a:avLst/>
+          </a:prstGeom>
+          <a:noFill/>
+          <a:ln w="38100">
+            <a:solidFill>
+              <a:srgbClr val="7030A0"/>
+            </a:solidFill>
+          </a:ln>
+        </p:spPr>
+        <p:style>
+          <a:lnRef idx="2">
+            <a:schemeClr val="accent1">
+              <a:shade val="50000"/>
+            </a:schemeClr>
+          </a:lnRef>
+          <a:fillRef idx="1">
+            <a:schemeClr val="accent1"/>
+          </a:fillRef>
+          <a:effectRef idx="0">
+            <a:schemeClr val="accent1"/>
+          </a:effectRef>
+          <a:fontRef idx="minor">
+            <a:schemeClr val="lt1"/>
+          </a:fontRef>
+        </p:style>
+        <p:txBody>
+          <a:bodyPr rtlCol="0" anchor="ctr"/>
+          <a:lstStyle/>
+          <a:p>
+            <a:pPr algn="ctr"/>
+            <a:endParaRPr lang="zh-CN" altLang="en-US" sz="1050" b="1" dirty="0">
+              <a:solidFill>
+                <a:schemeClr val="tx1"/>
+              </a:solidFill>
+              <a:latin typeface="Times New Roman" panose="02020603050405020304" pitchFamily="18" charset="0"/>
+              <a:cs typeface="Times New Roman" panose="02020603050405020304" pitchFamily="18" charset="0"/>
+            </a:endParaRPr>
+          </a:p>
+        </p:txBody>
+      </p:sp>
+      <p:sp>
+        <p:nvSpPr>
+          <p:cNvPr id="145" name="テキスト ボックス 144">
+            <a:extLst>
+              <a:ext uri="{FF2B5EF4-FFF2-40B4-BE49-F238E27FC236}">
+                <a16:creationId xmlns:a16="http://schemas.microsoft.com/office/drawing/2014/main" id="{E7BDCA76-0188-5238-B9DF-B8C2FBD1A2EB}"/>
+              </a:ext>
+            </a:extLst>
+          </p:cNvPr>
+          <p:cNvSpPr txBox="1"/>
+          <p:nvPr/>
+        </p:nvSpPr>
+        <p:spPr>
+          <a:xfrm>
+            <a:off x="626753" y="5818339"/>
+            <a:ext cx="830121" cy="215444"/>
+          </a:xfrm>
+          <a:prstGeom prst="rect">
+            <a:avLst/>
+          </a:prstGeom>
+          <a:noFill/>
+        </p:spPr>
+        <p:txBody>
+          <a:bodyPr wrap="square" rtlCol="0">
+            <a:spAutoFit/>
+          </a:bodyPr>
+          <a:lstStyle/>
+          <a:p>
+            <a:pPr algn="ctr"/>
+            <a:r>
+              <a:rPr lang="en-US" altLang="zh-CN" sz="800" dirty="0">
+                <a:latin typeface="Times New Roman" panose="02020603050405020304" pitchFamily="18" charset="0"/>
+                <a:cs typeface="Times New Roman" panose="02020603050405020304" pitchFamily="18" charset="0"/>
+              </a:rPr>
+              <a:t>Executable File</a:t>
+            </a:r>
+            <a:endParaRPr lang="zh-CN" altLang="en-US" sz="800" dirty="0">
+              <a:latin typeface="Times New Roman" panose="02020603050405020304" pitchFamily="18" charset="0"/>
+              <a:cs typeface="Times New Roman" panose="02020603050405020304" pitchFamily="18" charset="0"/>
+            </a:endParaRPr>
+          </a:p>
+        </p:txBody>
+      </p:sp>
+      <p:sp>
+        <p:nvSpPr>
+          <p:cNvPr id="12" name="正方形/長方形 11">
+            <a:extLst>
+              <a:ext uri="{FF2B5EF4-FFF2-40B4-BE49-F238E27FC236}">
+                <a16:creationId xmlns:a16="http://schemas.microsoft.com/office/drawing/2014/main" id="{3A842194-E92C-E111-E11F-14EA2C9FF051}"/>
+              </a:ext>
+            </a:extLst>
+          </p:cNvPr>
+          <p:cNvSpPr/>
+          <p:nvPr/>
+        </p:nvSpPr>
+        <p:spPr>
+          <a:xfrm>
+            <a:off x="3434700" y="4501589"/>
+            <a:ext cx="1038232" cy="367523"/>
+          </a:xfrm>
+          <a:prstGeom prst="rect">
+            <a:avLst/>
+          </a:prstGeom>
+          <a:noFill/>
+          <a:ln w="38100">
+            <a:solidFill>
+              <a:schemeClr val="accent4"/>
+            </a:solidFill>
+          </a:ln>
+        </p:spPr>
+        <p:style>
+          <a:lnRef idx="2">
+            <a:schemeClr val="accent1">
+              <a:shade val="50000"/>
+            </a:schemeClr>
+          </a:lnRef>
+          <a:fillRef idx="1">
+            <a:schemeClr val="accent1"/>
+          </a:fillRef>
+          <a:effectRef idx="0">
+            <a:schemeClr val="accent1"/>
+          </a:effectRef>
+          <a:fontRef idx="minor">
+            <a:schemeClr val="lt1"/>
+          </a:fontRef>
+        </p:style>
+        <p:txBody>
+          <a:bodyPr rtlCol="0" anchor="ctr"/>
+          <a:lstStyle/>
+          <a:p>
+            <a:pPr algn="ctr"/>
+            <a:r>
+              <a:rPr lang="en-US" altLang="zh-CN" sz="800" b="1" dirty="0">
+                <a:solidFill>
+                  <a:schemeClr val="tx1"/>
+                </a:solidFill>
+                <a:latin typeface="Times New Roman" panose="02020603050405020304" pitchFamily="18" charset="0"/>
+                <a:cs typeface="Times New Roman" panose="02020603050405020304" pitchFamily="18" charset="0"/>
+              </a:rPr>
+              <a:t>LogHandlerSub()</a:t>
+            </a:r>
+            <a:endParaRPr lang="zh-CN" altLang="en-US" sz="800" b="1" dirty="0">
+              <a:solidFill>
+                <a:schemeClr val="tx1"/>
+              </a:solidFill>
+              <a:latin typeface="Times New Roman" panose="02020603050405020304" pitchFamily="18" charset="0"/>
+              <a:cs typeface="Times New Roman" panose="02020603050405020304" pitchFamily="18" charset="0"/>
+            </a:endParaRPr>
+          </a:p>
+        </p:txBody>
+      </p:sp>
+      <p:sp>
+        <p:nvSpPr>
+          <p:cNvPr id="38" name="正方形/長方形 37">
+            <a:extLst>
+              <a:ext uri="{FF2B5EF4-FFF2-40B4-BE49-F238E27FC236}">
+                <a16:creationId xmlns:a16="http://schemas.microsoft.com/office/drawing/2014/main" id="{24510CF0-8B14-3F87-5F59-DB4345A2C245}"/>
+              </a:ext>
+            </a:extLst>
+          </p:cNvPr>
+          <p:cNvSpPr/>
+          <p:nvPr/>
+        </p:nvSpPr>
+        <p:spPr>
+          <a:xfrm>
+            <a:off x="9374654" y="5092383"/>
+            <a:ext cx="943270" cy="334651"/>
+          </a:xfrm>
+          <a:prstGeom prst="rect">
+            <a:avLst/>
+          </a:prstGeom>
+          <a:noFill/>
+          <a:ln w="38100">
+            <a:solidFill>
+              <a:schemeClr val="accent4"/>
+            </a:solidFill>
+          </a:ln>
+        </p:spPr>
+        <p:style>
+          <a:lnRef idx="2">
+            <a:schemeClr val="accent1">
+              <a:shade val="50000"/>
+            </a:schemeClr>
+          </a:lnRef>
+          <a:fillRef idx="1">
+            <a:schemeClr val="accent1"/>
+          </a:fillRef>
+          <a:effectRef idx="0">
+            <a:schemeClr val="accent1"/>
+          </a:effectRef>
+          <a:fontRef idx="minor">
+            <a:schemeClr val="lt1"/>
+          </a:fontRef>
+        </p:style>
+        <p:txBody>
+          <a:bodyPr rtlCol="0" anchor="ctr"/>
+          <a:lstStyle/>
+          <a:p>
+            <a:pPr algn="ctr"/>
+            <a:r>
+              <a:rPr lang="en-US" altLang="zh-CN" sz="800" b="1" dirty="0">
+                <a:solidFill>
+                  <a:schemeClr val="tx1"/>
+                </a:solidFill>
+                <a:latin typeface="Times New Roman" panose="02020603050405020304" pitchFamily="18" charset="0"/>
+                <a:cs typeface="Times New Roman" panose="02020603050405020304" pitchFamily="18" charset="0"/>
+              </a:rPr>
+              <a:t>LogHandlerPub()</a:t>
+            </a:r>
+            <a:endParaRPr lang="zh-CN" altLang="en-US" sz="800" b="1" dirty="0">
+              <a:solidFill>
+                <a:schemeClr val="tx1"/>
+              </a:solidFill>
+              <a:latin typeface="Times New Roman" panose="02020603050405020304" pitchFamily="18" charset="0"/>
+              <a:cs typeface="Times New Roman" panose="02020603050405020304" pitchFamily="18" charset="0"/>
+            </a:endParaRPr>
+          </a:p>
+        </p:txBody>
+      </p:sp>
+      <p:cxnSp>
+        <p:nvCxnSpPr>
+          <p:cNvPr id="19" name="コネクタ: カギ線 18">
+            <a:extLst>
+              <a:ext uri="{FF2B5EF4-FFF2-40B4-BE49-F238E27FC236}">
+                <a16:creationId xmlns:a16="http://schemas.microsoft.com/office/drawing/2014/main" id="{8F11E85F-9AFB-64AE-6051-F4EBE6EC46D6}"/>
+              </a:ext>
+            </a:extLst>
+          </p:cNvPr>
+          <p:cNvCxnSpPr>
+            <a:cxnSpLocks/>
+            <a:stCxn id="7" idx="1"/>
+            <a:endCxn id="12" idx="2"/>
+          </p:cNvCxnSpPr>
+          <p:nvPr/>
+        </p:nvCxnSpPr>
+        <p:spPr>
+          <a:xfrm rot="10800000">
+            <a:off x="3953817" y="4869113"/>
+            <a:ext cx="1301097" cy="1460957"/>
+          </a:xfrm>
+          <a:prstGeom prst="bentConnector2">
+            <a:avLst/>
+          </a:prstGeom>
+          <a:ln w="38100">
+            <a:solidFill>
+              <a:srgbClr val="7030A0">
+                <a:alpha val="50196"/>
+              </a:srgbClr>
+            </a:solidFill>
+            <a:headEnd type="none" w="med" len="med"/>
+            <a:tailEnd type="triangle" w="med" len="med"/>
+          </a:ln>
+        </p:spPr>
+        <p:style>
+          <a:lnRef idx="1">
+            <a:schemeClr val="accent1"/>
+          </a:lnRef>
+          <a:fillRef idx="0">
+            <a:schemeClr val="accent1"/>
+          </a:fillRef>
+          <a:effectRef idx="0">
+            <a:schemeClr val="accent1"/>
+          </a:effectRef>
+          <a:fontRef idx="minor">
+            <a:schemeClr val="tx1"/>
+          </a:fontRef>
+        </p:style>
+      </p:cxnSp>
+      <p:sp>
+        <p:nvSpPr>
+          <p:cNvPr id="54" name="正方形/長方形 53">
+            <a:extLst>
+              <a:ext uri="{FF2B5EF4-FFF2-40B4-BE49-F238E27FC236}">
+                <a16:creationId xmlns:a16="http://schemas.microsoft.com/office/drawing/2014/main" id="{7214490E-CB4C-859F-30ED-71B09D2A0232}"/>
+              </a:ext>
+            </a:extLst>
+          </p:cNvPr>
+          <p:cNvSpPr/>
+          <p:nvPr/>
+        </p:nvSpPr>
+        <p:spPr>
+          <a:xfrm>
+            <a:off x="3366146" y="3624488"/>
+            <a:ext cx="1076702" cy="334074"/>
+          </a:xfrm>
+          <a:prstGeom prst="rect">
+            <a:avLst/>
+          </a:prstGeom>
+          <a:solidFill>
+            <a:schemeClr val="accent2">
+              <a:lumMod val="40000"/>
+              <a:lumOff val="60000"/>
+            </a:schemeClr>
+          </a:solidFill>
+          <a:ln>
+            <a:noFill/>
+          </a:ln>
+        </p:spPr>
+        <p:style>
+          <a:lnRef idx="2">
+            <a:schemeClr val="accent1">
+              <a:shade val="50000"/>
+            </a:schemeClr>
+          </a:lnRef>
+          <a:fillRef idx="1">
+            <a:schemeClr val="accent1"/>
+          </a:fillRef>
+          <a:effectRef idx="0">
+            <a:schemeClr val="accent1"/>
+          </a:effectRef>
+          <a:fontRef idx="minor">
+            <a:schemeClr val="lt1"/>
+          </a:fontRef>
+        </p:style>
+        <p:txBody>
+          <a:bodyPr rtlCol="0" anchor="ctr"/>
+          <a:lstStyle/>
+          <a:p>
+            <a:pPr algn="ctr"/>
+            <a:r>
+              <a:rPr lang="en-US" altLang="zh-CN" sz="800" b="1" dirty="0">
+                <a:solidFill>
+                  <a:schemeClr val="tx1"/>
+                </a:solidFill>
+                <a:latin typeface="Times New Roman" panose="02020603050405020304" pitchFamily="18" charset="0"/>
+                <a:cs typeface="Times New Roman" panose="02020603050405020304" pitchFamily="18" charset="0"/>
+              </a:rPr>
+              <a:t>LogHandlerSub()</a:t>
+            </a:r>
+            <a:endParaRPr lang="zh-CN" altLang="en-US" sz="800" b="1" dirty="0">
+              <a:solidFill>
+                <a:schemeClr val="tx1"/>
+              </a:solidFill>
+              <a:latin typeface="Times New Roman" panose="02020603050405020304" pitchFamily="18" charset="0"/>
+              <a:cs typeface="Times New Roman" panose="02020603050405020304" pitchFamily="18" charset="0"/>
+            </a:endParaRPr>
+          </a:p>
+        </p:txBody>
+      </p:sp>
+      <p:cxnSp>
+        <p:nvCxnSpPr>
+          <p:cNvPr id="64" name="直線矢印コネクタ 63">
+            <a:extLst>
+              <a:ext uri="{FF2B5EF4-FFF2-40B4-BE49-F238E27FC236}">
+                <a16:creationId xmlns:a16="http://schemas.microsoft.com/office/drawing/2014/main" id="{0472CD3A-7130-5715-A123-5B9CE98952D3}"/>
+              </a:ext>
+            </a:extLst>
+          </p:cNvPr>
+          <p:cNvCxnSpPr>
+            <a:cxnSpLocks/>
+            <a:stCxn id="12" idx="0"/>
+            <a:endCxn id="54" idx="2"/>
+          </p:cNvCxnSpPr>
+          <p:nvPr/>
+        </p:nvCxnSpPr>
+        <p:spPr>
+          <a:xfrm flipH="1" flipV="1">
+            <a:off x="3904497" y="3958562"/>
+            <a:ext cx="49319" cy="543027"/>
+          </a:xfrm>
+          <a:prstGeom prst="straightConnector1">
+            <a:avLst/>
+          </a:prstGeom>
+          <a:ln>
+            <a:solidFill>
+              <a:schemeClr val="tx1"/>
+            </a:solidFill>
+            <a:headEnd type="triangle" w="med" len="med"/>
+            <a:tailEnd type="none" w="med" len="med"/>
+          </a:ln>
+        </p:spPr>
+        <p:style>
+          <a:lnRef idx="1">
+            <a:schemeClr val="accent1"/>
+          </a:lnRef>
+          <a:fillRef idx="0">
+            <a:schemeClr val="accent1"/>
+          </a:fillRef>
+          <a:effectRef idx="0">
+            <a:schemeClr val="accent1"/>
+          </a:effectRef>
+          <a:fontRef idx="minor">
+            <a:schemeClr val="tx1"/>
+          </a:fontRef>
+        </p:style>
+      </p:cxnSp>
+      <p:sp>
+        <p:nvSpPr>
+          <p:cNvPr id="68" name="正方形/長方形 67">
+            <a:extLst>
+              <a:ext uri="{FF2B5EF4-FFF2-40B4-BE49-F238E27FC236}">
+                <a16:creationId xmlns:a16="http://schemas.microsoft.com/office/drawing/2014/main" id="{C2D404E8-30CB-84D3-E9F2-937A7B991479}"/>
+              </a:ext>
+            </a:extLst>
+          </p:cNvPr>
+          <p:cNvSpPr/>
+          <p:nvPr/>
+        </p:nvSpPr>
+        <p:spPr>
+          <a:xfrm>
+            <a:off x="8592694" y="3610222"/>
+            <a:ext cx="736882" cy="341031"/>
+          </a:xfrm>
+          <a:prstGeom prst="rect">
+            <a:avLst/>
+          </a:prstGeom>
+          <a:solidFill>
+            <a:schemeClr val="accent2">
+              <a:lumMod val="40000"/>
+              <a:lumOff val="60000"/>
+            </a:schemeClr>
+          </a:solidFill>
+          <a:ln>
+            <a:noFill/>
+          </a:ln>
+        </p:spPr>
+        <p:style>
+          <a:lnRef idx="2">
+            <a:schemeClr val="accent1">
+              <a:shade val="50000"/>
+            </a:schemeClr>
+          </a:lnRef>
+          <a:fillRef idx="1">
+            <a:schemeClr val="accent1"/>
+          </a:fillRef>
+          <a:effectRef idx="0">
+            <a:schemeClr val="accent1"/>
+          </a:effectRef>
+          <a:fontRef idx="minor">
+            <a:schemeClr val="lt1"/>
+          </a:fontRef>
+        </p:style>
+        <p:txBody>
+          <a:bodyPr rtlCol="0" anchor="ctr"/>
+          <a:lstStyle/>
+          <a:p>
+            <a:pPr algn="ctr"/>
+            <a:r>
+              <a:rPr lang="en-US" altLang="zh-CN" sz="800" b="1" dirty="0">
+                <a:solidFill>
+                  <a:schemeClr val="tx1"/>
+                </a:solidFill>
+                <a:latin typeface="Times New Roman" panose="02020603050405020304" pitchFamily="18" charset="0"/>
+                <a:cs typeface="Times New Roman" panose="02020603050405020304" pitchFamily="18" charset="0"/>
+              </a:rPr>
+              <a:t>LogHandlerPub</a:t>
+            </a:r>
+            <a:r>
+              <a:rPr lang="en-US" altLang="zh-CN" sz="900" b="1" dirty="0">
+                <a:solidFill>
+                  <a:schemeClr val="tx1"/>
+                </a:solidFill>
+                <a:latin typeface="Times New Roman" panose="02020603050405020304" pitchFamily="18" charset="0"/>
+                <a:cs typeface="Times New Roman" panose="02020603050405020304" pitchFamily="18" charset="0"/>
+              </a:rPr>
+              <a:t>()</a:t>
+            </a:r>
+            <a:endParaRPr lang="zh-CN" altLang="en-US" sz="900" b="1" dirty="0">
+              <a:solidFill>
+                <a:schemeClr val="tx1"/>
+              </a:solidFill>
+              <a:latin typeface="Times New Roman" panose="02020603050405020304" pitchFamily="18" charset="0"/>
+              <a:cs typeface="Times New Roman" panose="02020603050405020304" pitchFamily="18" charset="0"/>
+            </a:endParaRPr>
+          </a:p>
+        </p:txBody>
+      </p:sp>
+      <p:cxnSp>
+        <p:nvCxnSpPr>
+          <p:cNvPr id="69" name="直線矢印コネクタ 68">
+            <a:extLst>
+              <a:ext uri="{FF2B5EF4-FFF2-40B4-BE49-F238E27FC236}">
+                <a16:creationId xmlns:a16="http://schemas.microsoft.com/office/drawing/2014/main" id="{F2FB1150-3AE0-57DD-FC8F-4F2309D93836}"/>
+              </a:ext>
+            </a:extLst>
+          </p:cNvPr>
+          <p:cNvCxnSpPr>
+            <a:cxnSpLocks/>
+            <a:stCxn id="68" idx="2"/>
+            <a:endCxn id="38" idx="0"/>
+          </p:cNvCxnSpPr>
+          <p:nvPr/>
+        </p:nvCxnSpPr>
+        <p:spPr>
+          <a:xfrm>
+            <a:off x="8961135" y="3951253"/>
+            <a:ext cx="885154" cy="1141130"/>
+          </a:xfrm>
+          <a:prstGeom prst="straightConnector1">
+            <a:avLst/>
+          </a:prstGeom>
+          <a:ln>
+            <a:solidFill>
+              <a:schemeClr val="tx1"/>
+            </a:solidFill>
+            <a:tailEnd type="triangle"/>
+          </a:ln>
+        </p:spPr>
+        <p:style>
+          <a:lnRef idx="1">
+            <a:schemeClr val="accent1"/>
+          </a:lnRef>
+          <a:fillRef idx="0">
+            <a:schemeClr val="accent1"/>
+          </a:fillRef>
+          <a:effectRef idx="0">
+            <a:schemeClr val="accent1"/>
+          </a:effectRef>
+          <a:fontRef idx="minor">
+            <a:schemeClr val="tx1"/>
+          </a:fontRef>
+        </p:style>
+      </p:cxnSp>
+      <p:sp>
+        <p:nvSpPr>
+          <p:cNvPr id="101" name="正方形/長方形 100">
+            <a:extLst>
+              <a:ext uri="{FF2B5EF4-FFF2-40B4-BE49-F238E27FC236}">
+                <a16:creationId xmlns:a16="http://schemas.microsoft.com/office/drawing/2014/main" id="{5D1E30F2-8424-3DA4-796E-CAE8545B267B}"/>
+              </a:ext>
+            </a:extLst>
+          </p:cNvPr>
+          <p:cNvSpPr/>
+          <p:nvPr/>
+        </p:nvSpPr>
+        <p:spPr>
+          <a:xfrm>
+            <a:off x="1337762" y="6524324"/>
+            <a:ext cx="401836" cy="161488"/>
+          </a:xfrm>
+          <a:prstGeom prst="rect">
+            <a:avLst/>
+          </a:prstGeom>
+          <a:noFill/>
+          <a:ln w="38100">
+            <a:solidFill>
+              <a:schemeClr val="accent2"/>
+            </a:solidFill>
+          </a:ln>
+        </p:spPr>
+        <p:style>
+          <a:lnRef idx="2">
+            <a:schemeClr val="accent1">
+              <a:shade val="50000"/>
+            </a:schemeClr>
+          </a:lnRef>
+          <a:fillRef idx="1">
+            <a:schemeClr val="accent1"/>
+          </a:fillRef>
+          <a:effectRef idx="0">
+            <a:schemeClr val="accent1"/>
+          </a:effectRef>
+          <a:fontRef idx="minor">
+            <a:schemeClr val="lt1"/>
+          </a:fontRef>
+        </p:style>
+        <p:txBody>
+          <a:bodyPr rtlCol="0" anchor="ctr"/>
+          <a:lstStyle/>
+          <a:p>
+            <a:pPr algn="ctr"/>
+            <a:endParaRPr lang="zh-CN" altLang="en-US" sz="1050" b="1" dirty="0">
+              <a:solidFill>
+                <a:schemeClr val="tx1"/>
+              </a:solidFill>
+              <a:latin typeface="Times New Roman" panose="02020603050405020304" pitchFamily="18" charset="0"/>
+              <a:cs typeface="Times New Roman" panose="02020603050405020304" pitchFamily="18" charset="0"/>
+            </a:endParaRPr>
+          </a:p>
+        </p:txBody>
+      </p:sp>
+      <p:sp>
+        <p:nvSpPr>
+          <p:cNvPr id="102" name="テキスト ボックス 101">
+            <a:extLst>
+              <a:ext uri="{FF2B5EF4-FFF2-40B4-BE49-F238E27FC236}">
+                <a16:creationId xmlns:a16="http://schemas.microsoft.com/office/drawing/2014/main" id="{09B4C8B9-7520-B08B-0F08-D611DDC49232}"/>
+              </a:ext>
+            </a:extLst>
+          </p:cNvPr>
+          <p:cNvSpPr txBox="1"/>
+          <p:nvPr/>
+        </p:nvSpPr>
+        <p:spPr>
+          <a:xfrm>
+            <a:off x="1737107" y="6495911"/>
+            <a:ext cx="771471" cy="215444"/>
+          </a:xfrm>
+          <a:prstGeom prst="rect">
+            <a:avLst/>
+          </a:prstGeom>
+          <a:noFill/>
+        </p:spPr>
+        <p:txBody>
+          <a:bodyPr wrap="square" rtlCol="0">
+            <a:spAutoFit/>
+          </a:bodyPr>
+          <a:lstStyle/>
+          <a:p>
+            <a:pPr algn="ctr"/>
+            <a:r>
+              <a:rPr lang="en-US" altLang="zh-CN" sz="800" dirty="0">
+                <a:latin typeface="Times New Roman" panose="02020603050405020304" pitchFamily="18" charset="0"/>
+                <a:cs typeface="Times New Roman" panose="02020603050405020304" pitchFamily="18" charset="0"/>
+              </a:rPr>
+              <a:t>Dynamic-Lib</a:t>
+            </a:r>
+            <a:endParaRPr lang="zh-CN" altLang="en-US" sz="800" dirty="0">
+              <a:latin typeface="Times New Roman" panose="02020603050405020304" pitchFamily="18" charset="0"/>
+              <a:cs typeface="Times New Roman" panose="02020603050405020304" pitchFamily="18" charset="0"/>
+            </a:endParaRPr>
+          </a:p>
+        </p:txBody>
+      </p:sp>
+      <p:cxnSp>
+        <p:nvCxnSpPr>
+          <p:cNvPr id="126" name="コネクタ: 曲線 125">
+            <a:extLst>
+              <a:ext uri="{FF2B5EF4-FFF2-40B4-BE49-F238E27FC236}">
+                <a16:creationId xmlns:a16="http://schemas.microsoft.com/office/drawing/2014/main" id="{93B8ED55-1923-608C-7469-FC2CCF549ED6}"/>
+              </a:ext>
+            </a:extLst>
+          </p:cNvPr>
+          <p:cNvCxnSpPr>
+            <a:cxnSpLocks/>
+            <a:stCxn id="84" idx="2"/>
+            <a:endCxn id="68" idx="0"/>
+          </p:cNvCxnSpPr>
+          <p:nvPr/>
+        </p:nvCxnSpPr>
+        <p:spPr>
+          <a:xfrm rot="5400000">
+            <a:off x="9347402" y="2570068"/>
+            <a:ext cx="653888" cy="1426421"/>
+          </a:xfrm>
+          <a:prstGeom prst="curvedConnector3">
+            <a:avLst>
+              <a:gd name="adj1" fmla="val 50000"/>
+            </a:avLst>
+          </a:prstGeom>
+          <a:ln>
+            <a:solidFill>
+              <a:schemeClr val="tx1"/>
+            </a:solidFill>
+            <a:tailEnd type="triangle"/>
+          </a:ln>
+        </p:spPr>
+        <p:style>
+          <a:lnRef idx="1">
+            <a:schemeClr val="accent1"/>
+          </a:lnRef>
+          <a:fillRef idx="0">
+            <a:schemeClr val="accent1"/>
+          </a:fillRef>
+          <a:effectRef idx="0">
+            <a:schemeClr val="accent1"/>
+          </a:effectRef>
+          <a:fontRef idx="minor">
+            <a:schemeClr val="tx1"/>
+          </a:fontRef>
+        </p:style>
+      </p:cxnSp>
+      <p:cxnSp>
+        <p:nvCxnSpPr>
+          <p:cNvPr id="136" name="コネクタ: カギ線 135">
+            <a:extLst>
+              <a:ext uri="{FF2B5EF4-FFF2-40B4-BE49-F238E27FC236}">
+                <a16:creationId xmlns:a16="http://schemas.microsoft.com/office/drawing/2014/main" id="{AEF25F64-5D85-C982-C1D7-44D3054DC69B}"/>
+              </a:ext>
+            </a:extLst>
+          </p:cNvPr>
+          <p:cNvCxnSpPr>
+            <a:cxnSpLocks/>
+            <a:stCxn id="38" idx="2"/>
+            <a:endCxn id="7" idx="3"/>
+          </p:cNvCxnSpPr>
+          <p:nvPr/>
+        </p:nvCxnSpPr>
+        <p:spPr>
+          <a:xfrm rot="5400000">
+            <a:off x="8026885" y="4510664"/>
+            <a:ext cx="903035" cy="2735774"/>
+          </a:xfrm>
+          <a:prstGeom prst="bentConnector2">
+            <a:avLst/>
+          </a:prstGeom>
+          <a:ln w="38100">
+            <a:solidFill>
+              <a:srgbClr val="7030A0">
+                <a:alpha val="50196"/>
+              </a:srgbClr>
+            </a:solidFill>
+            <a:headEnd type="none" w="med" len="med"/>
+            <a:tailEnd type="triangle" w="med" len="med"/>
+          </a:ln>
+        </p:spPr>
+        <p:style>
+          <a:lnRef idx="1">
+            <a:schemeClr val="accent1"/>
+          </a:lnRef>
+          <a:fillRef idx="0">
+            <a:schemeClr val="accent1"/>
+          </a:fillRef>
+          <a:effectRef idx="0">
+            <a:schemeClr val="accent1"/>
+          </a:effectRef>
+          <a:fontRef idx="minor">
+            <a:schemeClr val="tx1"/>
+          </a:fontRef>
+        </p:style>
+      </p:cxnSp>
+      <p:sp>
+        <p:nvSpPr>
+          <p:cNvPr id="163" name="テキスト ボックス 162">
+            <a:extLst>
+              <a:ext uri="{FF2B5EF4-FFF2-40B4-BE49-F238E27FC236}">
+                <a16:creationId xmlns:a16="http://schemas.microsoft.com/office/drawing/2014/main" id="{C9ECC8C0-0633-BA3C-FAC3-64951987443A}"/>
+              </a:ext>
+            </a:extLst>
+          </p:cNvPr>
+          <p:cNvSpPr txBox="1"/>
+          <p:nvPr/>
+        </p:nvSpPr>
+        <p:spPr>
+          <a:xfrm rot="21386458">
+            <a:off x="9505534" y="3084322"/>
+            <a:ext cx="574293" cy="215444"/>
+          </a:xfrm>
+          <a:prstGeom prst="rect">
+            <a:avLst/>
+          </a:prstGeom>
+          <a:noFill/>
+        </p:spPr>
+        <p:txBody>
+          <a:bodyPr wrap="square" rtlCol="0">
+            <a:spAutoFit/>
+          </a:bodyPr>
+          <a:lstStyle/>
+          <a:p>
+            <a:pPr algn="ctr"/>
+            <a:r>
+              <a:rPr lang="en-US" altLang="zh-CN" sz="800" dirty="0">
+                <a:latin typeface="Times New Roman" panose="02020603050405020304" pitchFamily="18" charset="0"/>
+                <a:cs typeface="Times New Roman" panose="02020603050405020304" pitchFamily="18" charset="0"/>
+              </a:rPr>
+              <a:t>log info</a:t>
+            </a:r>
+            <a:endParaRPr lang="zh-CN" altLang="en-US" sz="900" dirty="0">
+              <a:latin typeface="Times New Roman" panose="02020603050405020304" pitchFamily="18" charset="0"/>
+              <a:cs typeface="Times New Roman" panose="02020603050405020304" pitchFamily="18" charset="0"/>
+            </a:endParaRPr>
+          </a:p>
+        </p:txBody>
+      </p:sp>
+      <p:sp>
+        <p:nvSpPr>
+          <p:cNvPr id="183" name="正方形/長方形 182">
+            <a:extLst>
+              <a:ext uri="{FF2B5EF4-FFF2-40B4-BE49-F238E27FC236}">
+                <a16:creationId xmlns:a16="http://schemas.microsoft.com/office/drawing/2014/main" id="{35782DA4-565D-D322-52CD-EFBED231437C}"/>
+              </a:ext>
+            </a:extLst>
+          </p:cNvPr>
+          <p:cNvSpPr/>
+          <p:nvPr/>
+        </p:nvSpPr>
+        <p:spPr>
+          <a:xfrm>
+            <a:off x="10655141" y="3275570"/>
+            <a:ext cx="819037" cy="334652"/>
+          </a:xfrm>
+          <a:prstGeom prst="rect">
+            <a:avLst/>
+          </a:prstGeom>
+          <a:noFill/>
+          <a:ln w="38100">
+            <a:solidFill>
+              <a:schemeClr val="accent2"/>
+            </a:solidFill>
+          </a:ln>
+        </p:spPr>
+        <p:style>
+          <a:lnRef idx="2">
+            <a:schemeClr val="accent1">
+              <a:shade val="50000"/>
+            </a:schemeClr>
+          </a:lnRef>
+          <a:fillRef idx="1">
+            <a:schemeClr val="accent1"/>
+          </a:fillRef>
+          <a:effectRef idx="0">
+            <a:schemeClr val="accent1"/>
+          </a:effectRef>
+          <a:fontRef idx="minor">
+            <a:schemeClr val="lt1"/>
+          </a:fontRef>
+        </p:style>
+        <p:txBody>
+          <a:bodyPr rtlCol="0" anchor="ctr"/>
+          <a:lstStyle/>
+          <a:p>
+            <a:pPr algn="ctr"/>
+            <a:r>
+              <a:rPr lang="en-US" altLang="zh-CN" sz="800" b="1" dirty="0">
+                <a:solidFill>
+                  <a:schemeClr val="tx1"/>
+                </a:solidFill>
+                <a:latin typeface="Times New Roman" panose="02020603050405020304" pitchFamily="18" charset="0"/>
+                <a:cs typeface="Times New Roman" panose="02020603050405020304" pitchFamily="18" charset="0"/>
+              </a:rPr>
+              <a:t>LibTurtlesimUpdate.so</a:t>
+            </a:r>
+            <a:endParaRPr lang="zh-CN" altLang="en-US" sz="800" b="1" dirty="0">
+              <a:solidFill>
+                <a:schemeClr val="tx1"/>
+              </a:solidFill>
+              <a:latin typeface="Times New Roman" panose="02020603050405020304" pitchFamily="18" charset="0"/>
+              <a:cs typeface="Times New Roman" panose="02020603050405020304" pitchFamily="18" charset="0"/>
+            </a:endParaRPr>
+          </a:p>
+        </p:txBody>
+      </p:sp>
+      <p:cxnSp>
+        <p:nvCxnSpPr>
+          <p:cNvPr id="49" name="直線矢印コネクタ 48">
+            <a:extLst>
+              <a:ext uri="{FF2B5EF4-FFF2-40B4-BE49-F238E27FC236}">
+                <a16:creationId xmlns:a16="http://schemas.microsoft.com/office/drawing/2014/main" id="{C2C23D03-68D1-92E0-E4F2-52E882624F4E}"/>
+              </a:ext>
+            </a:extLst>
+          </p:cNvPr>
+          <p:cNvCxnSpPr>
+            <a:cxnSpLocks/>
+            <a:stCxn id="179" idx="3"/>
+            <a:endCxn id="183" idx="1"/>
+          </p:cNvCxnSpPr>
+          <p:nvPr/>
+        </p:nvCxnSpPr>
+        <p:spPr>
+          <a:xfrm>
+            <a:off x="8392936" y="3334707"/>
+            <a:ext cx="2262205" cy="108189"/>
+          </a:xfrm>
+          <a:prstGeom prst="straightConnector1">
+            <a:avLst/>
+          </a:prstGeom>
+          <a:ln>
+            <a:solidFill>
+              <a:schemeClr val="tx1"/>
+            </a:solidFill>
+            <a:tailEnd type="triangle"/>
+          </a:ln>
+        </p:spPr>
+        <p:style>
+          <a:lnRef idx="1">
+            <a:schemeClr val="accent1"/>
+          </a:lnRef>
+          <a:fillRef idx="0">
+            <a:schemeClr val="accent1"/>
+          </a:fillRef>
+          <a:effectRef idx="0">
+            <a:schemeClr val="accent1"/>
+          </a:effectRef>
+          <a:fontRef idx="minor">
+            <a:schemeClr val="tx1"/>
+          </a:fontRef>
+        </p:style>
+      </p:cxnSp>
+      <p:cxnSp>
+        <p:nvCxnSpPr>
+          <p:cNvPr id="57" name="コネクタ: 曲線 56">
+            <a:extLst>
+              <a:ext uri="{FF2B5EF4-FFF2-40B4-BE49-F238E27FC236}">
+                <a16:creationId xmlns:a16="http://schemas.microsoft.com/office/drawing/2014/main" id="{73583B37-0AE4-2DD4-5AE2-18E537749C2A}"/>
+              </a:ext>
+            </a:extLst>
+          </p:cNvPr>
+          <p:cNvCxnSpPr>
+            <a:cxnSpLocks/>
+            <a:stCxn id="183" idx="2"/>
+            <a:endCxn id="68" idx="3"/>
+          </p:cNvCxnSpPr>
+          <p:nvPr/>
+        </p:nvCxnSpPr>
+        <p:spPr>
+          <a:xfrm rot="5400000">
+            <a:off x="10111860" y="2827938"/>
+            <a:ext cx="170516" cy="1735084"/>
+          </a:xfrm>
+          <a:prstGeom prst="curvedConnector2">
+            <a:avLst/>
+          </a:prstGeom>
+          <a:ln>
+            <a:solidFill>
+              <a:schemeClr val="tx1"/>
+            </a:solidFill>
+            <a:tailEnd type="triangle"/>
+          </a:ln>
+        </p:spPr>
+        <p:style>
+          <a:lnRef idx="1">
+            <a:schemeClr val="accent1"/>
+          </a:lnRef>
+          <a:fillRef idx="0">
+            <a:schemeClr val="accent1"/>
+          </a:fillRef>
+          <a:effectRef idx="0">
+            <a:schemeClr val="accent1"/>
+          </a:effectRef>
+          <a:fontRef idx="minor">
+            <a:schemeClr val="tx1"/>
+          </a:fontRef>
+        </p:style>
+      </p:cxnSp>
+      <p:sp>
+        <p:nvSpPr>
+          <p:cNvPr id="66" name="テキスト ボックス 65">
+            <a:extLst>
+              <a:ext uri="{FF2B5EF4-FFF2-40B4-BE49-F238E27FC236}">
+                <a16:creationId xmlns:a16="http://schemas.microsoft.com/office/drawing/2014/main" id="{DAF5E935-865B-A28C-B669-A4DE7585B8E8}"/>
+              </a:ext>
+            </a:extLst>
+          </p:cNvPr>
+          <p:cNvSpPr txBox="1"/>
+          <p:nvPr/>
+        </p:nvSpPr>
+        <p:spPr>
+          <a:xfrm rot="21396030">
+            <a:off x="9565406" y="3566661"/>
+            <a:ext cx="970702" cy="214324"/>
+          </a:xfrm>
+          <a:prstGeom prst="rect">
+            <a:avLst/>
+          </a:prstGeom>
+          <a:noFill/>
+        </p:spPr>
+        <p:txBody>
+          <a:bodyPr wrap="square" rtlCol="0">
+            <a:spAutoFit/>
+          </a:bodyPr>
+          <a:lstStyle/>
+          <a:p>
+            <a:pPr algn="ctr"/>
+            <a:r>
+              <a:rPr lang="en-US" altLang="zh-CN" sz="800" dirty="0">
+                <a:latin typeface="Times New Roman" panose="02020603050405020304" pitchFamily="18" charset="0"/>
+                <a:cs typeface="Times New Roman" panose="02020603050405020304" pitchFamily="18" charset="0"/>
+              </a:rPr>
+              <a:t>Precheck log info</a:t>
+            </a:r>
+            <a:endParaRPr lang="zh-CN" altLang="en-US" sz="900" dirty="0">
+              <a:latin typeface="Times New Roman" panose="02020603050405020304" pitchFamily="18" charset="0"/>
+              <a:cs typeface="Times New Roman" panose="02020603050405020304" pitchFamily="18" charset="0"/>
+            </a:endParaRPr>
+          </a:p>
+        </p:txBody>
+      </p:sp>
+      <p:sp>
+        <p:nvSpPr>
+          <p:cNvPr id="82" name="テキスト ボックス 81">
+            <a:extLst>
+              <a:ext uri="{FF2B5EF4-FFF2-40B4-BE49-F238E27FC236}">
+                <a16:creationId xmlns:a16="http://schemas.microsoft.com/office/drawing/2014/main" id="{B4CB4C56-63EC-31F3-5BDE-AB1B00DC574C}"/>
+              </a:ext>
+            </a:extLst>
+          </p:cNvPr>
+          <p:cNvSpPr txBox="1"/>
+          <p:nvPr/>
+        </p:nvSpPr>
+        <p:spPr>
+          <a:xfrm rot="272550">
+            <a:off x="8455828" y="3158069"/>
+            <a:ext cx="562569" cy="215444"/>
+          </a:xfrm>
+          <a:prstGeom prst="rect">
+            <a:avLst/>
+          </a:prstGeom>
+          <a:noFill/>
+        </p:spPr>
+        <p:txBody>
+          <a:bodyPr wrap="square" rtlCol="0">
+            <a:spAutoFit/>
+          </a:bodyPr>
+          <a:lstStyle/>
+          <a:p>
+            <a:pPr algn="ctr"/>
+            <a:r>
+              <a:rPr lang="en-US" altLang="zh-CN" sz="800" dirty="0">
+                <a:latin typeface="Times New Roman" panose="02020603050405020304" pitchFamily="18" charset="0"/>
+                <a:cs typeface="Times New Roman" panose="02020603050405020304" pitchFamily="18" charset="0"/>
+              </a:rPr>
+              <a:t>precheck</a:t>
+            </a:r>
+            <a:endParaRPr lang="zh-CN" altLang="en-US" sz="800" dirty="0">
+              <a:latin typeface="Times New Roman" panose="02020603050405020304" pitchFamily="18" charset="0"/>
+              <a:cs typeface="Times New Roman" panose="02020603050405020304" pitchFamily="18" charset="0"/>
+            </a:endParaRPr>
+          </a:p>
+        </p:txBody>
+      </p:sp>
+      <p:cxnSp>
+        <p:nvCxnSpPr>
+          <p:cNvPr id="111" name="直線矢印コネクタ 110">
+            <a:extLst>
+              <a:ext uri="{FF2B5EF4-FFF2-40B4-BE49-F238E27FC236}">
+                <a16:creationId xmlns:a16="http://schemas.microsoft.com/office/drawing/2014/main" id="{BDC8CCCB-3084-DB4D-F2E9-655B693039DC}"/>
+              </a:ext>
+            </a:extLst>
+          </p:cNvPr>
+          <p:cNvCxnSpPr>
+            <a:cxnSpLocks/>
+          </p:cNvCxnSpPr>
+          <p:nvPr/>
+        </p:nvCxnSpPr>
+        <p:spPr>
+          <a:xfrm>
+            <a:off x="3983254" y="2527647"/>
+            <a:ext cx="340945" cy="825672"/>
+          </a:xfrm>
+          <a:prstGeom prst="straightConnector1">
+            <a:avLst/>
+          </a:prstGeom>
+          <a:ln>
+            <a:solidFill>
+              <a:schemeClr val="tx1"/>
+            </a:solidFill>
+            <a:tailEnd type="triangle"/>
+          </a:ln>
+        </p:spPr>
+        <p:style>
+          <a:lnRef idx="1">
+            <a:schemeClr val="accent1"/>
+          </a:lnRef>
+          <a:fillRef idx="0">
+            <a:schemeClr val="accent1"/>
+          </a:fillRef>
+          <a:effectRef idx="0">
+            <a:schemeClr val="accent1"/>
+          </a:effectRef>
+          <a:fontRef idx="minor">
+            <a:schemeClr val="tx1"/>
+          </a:fontRef>
+        </p:style>
+      </p:cxnSp>
+      <p:sp>
+        <p:nvSpPr>
+          <p:cNvPr id="113" name="正方形/長方形 112">
+            <a:extLst>
+              <a:ext uri="{FF2B5EF4-FFF2-40B4-BE49-F238E27FC236}">
+                <a16:creationId xmlns:a16="http://schemas.microsoft.com/office/drawing/2014/main" id="{C979B6E6-D150-4770-0243-158A99654055}"/>
+              </a:ext>
+            </a:extLst>
+          </p:cNvPr>
+          <p:cNvSpPr/>
+          <p:nvPr/>
+        </p:nvSpPr>
+        <p:spPr>
+          <a:xfrm>
+            <a:off x="2727977" y="2227684"/>
+            <a:ext cx="722556" cy="514864"/>
+          </a:xfrm>
+          <a:prstGeom prst="rect">
+            <a:avLst/>
+          </a:prstGeom>
+          <a:noFill/>
+          <a:ln w="28575">
+            <a:solidFill>
+              <a:schemeClr val="accent2"/>
+            </a:solidFill>
+          </a:ln>
+        </p:spPr>
+        <p:style>
+          <a:lnRef idx="2">
+            <a:schemeClr val="accent1">
+              <a:shade val="50000"/>
+            </a:schemeClr>
+          </a:lnRef>
+          <a:fillRef idx="1">
+            <a:schemeClr val="accent1"/>
+          </a:fillRef>
+          <a:effectRef idx="0">
+            <a:schemeClr val="accent1"/>
+          </a:effectRef>
+          <a:fontRef idx="minor">
+            <a:schemeClr val="lt1"/>
+          </a:fontRef>
+        </p:style>
+        <p:txBody>
+          <a:bodyPr rtlCol="0" anchor="ctr"/>
+          <a:lstStyle/>
+          <a:p>
+            <a:pPr algn="ctr"/>
+            <a:endParaRPr lang="zh-CN" altLang="en-US"/>
+          </a:p>
+        </p:txBody>
+      </p:sp>
+      <p:sp>
+        <p:nvSpPr>
+          <p:cNvPr id="118" name="正方形/長方形 117">
+            <a:extLst>
+              <a:ext uri="{FF2B5EF4-FFF2-40B4-BE49-F238E27FC236}">
+                <a16:creationId xmlns:a16="http://schemas.microsoft.com/office/drawing/2014/main" id="{F4B7E4AD-D806-7B4F-167A-DF01A717EB5A}"/>
+              </a:ext>
+            </a:extLst>
+          </p:cNvPr>
+          <p:cNvSpPr/>
+          <p:nvPr/>
+        </p:nvSpPr>
+        <p:spPr>
+          <a:xfrm>
+            <a:off x="3601456" y="2255408"/>
+            <a:ext cx="824082" cy="256403"/>
+          </a:xfrm>
+          <a:prstGeom prst="rect">
+            <a:avLst/>
+          </a:prstGeom>
+          <a:noFill/>
+          <a:ln w="28575">
+            <a:solidFill>
+              <a:schemeClr val="accent2"/>
+            </a:solidFill>
+          </a:ln>
+        </p:spPr>
+        <p:style>
+          <a:lnRef idx="2">
+            <a:schemeClr val="accent1">
+              <a:shade val="50000"/>
+            </a:schemeClr>
+          </a:lnRef>
+          <a:fillRef idx="1">
+            <a:schemeClr val="accent1"/>
+          </a:fillRef>
+          <a:effectRef idx="0">
+            <a:schemeClr val="accent1"/>
+          </a:effectRef>
+          <a:fontRef idx="minor">
+            <a:schemeClr val="lt1"/>
+          </a:fontRef>
+        </p:style>
+        <p:txBody>
+          <a:bodyPr rtlCol="0" anchor="ctr"/>
+          <a:lstStyle/>
+          <a:p>
+            <a:pPr algn="ctr"/>
+            <a:endParaRPr lang="zh-CN" altLang="en-US"/>
+          </a:p>
+        </p:txBody>
+      </p:sp>
+      <p:sp>
+        <p:nvSpPr>
+          <p:cNvPr id="139" name="正方形/長方形 138">
+            <a:extLst>
+              <a:ext uri="{FF2B5EF4-FFF2-40B4-BE49-F238E27FC236}">
+                <a16:creationId xmlns:a16="http://schemas.microsoft.com/office/drawing/2014/main" id="{577CD712-DE54-43ED-2CA9-735D5828DE0E}"/>
+              </a:ext>
+            </a:extLst>
+          </p:cNvPr>
+          <p:cNvSpPr/>
+          <p:nvPr/>
+        </p:nvSpPr>
+        <p:spPr>
+          <a:xfrm>
+            <a:off x="6722774" y="4479503"/>
+            <a:ext cx="1158903" cy="277032"/>
+          </a:xfrm>
+          <a:prstGeom prst="rect">
+            <a:avLst/>
+          </a:prstGeom>
+          <a:noFill/>
+          <a:ln w="38100">
+            <a:solidFill>
+              <a:schemeClr val="accent4"/>
+            </a:solidFill>
+          </a:ln>
+        </p:spPr>
+        <p:style>
+          <a:lnRef idx="2">
+            <a:schemeClr val="accent1">
+              <a:shade val="50000"/>
+            </a:schemeClr>
+          </a:lnRef>
+          <a:fillRef idx="1">
+            <a:schemeClr val="accent1"/>
+          </a:fillRef>
+          <a:effectRef idx="0">
+            <a:schemeClr val="accent1"/>
+          </a:effectRef>
+          <a:fontRef idx="minor">
+            <a:schemeClr val="lt1"/>
+          </a:fontRef>
+        </p:style>
+        <p:txBody>
+          <a:bodyPr rtlCol="0" anchor="ctr"/>
+          <a:lstStyle/>
+          <a:p>
+            <a:pPr algn="ctr"/>
+            <a:r>
+              <a:rPr lang="en-US" altLang="zh-CN" sz="800" b="1" dirty="0">
+                <a:solidFill>
+                  <a:schemeClr val="tx1"/>
+                </a:solidFill>
+                <a:latin typeface="Times New Roman" panose="02020603050405020304" pitchFamily="18" charset="0"/>
+                <a:cs typeface="Times New Roman" panose="02020603050405020304" pitchFamily="18" charset="0"/>
+              </a:rPr>
+              <a:t>MessageHandlerSub()</a:t>
+            </a:r>
+            <a:endParaRPr lang="zh-CN" altLang="en-US" sz="800" b="1" dirty="0">
+              <a:solidFill>
+                <a:schemeClr val="tx1"/>
+              </a:solidFill>
+              <a:latin typeface="Times New Roman" panose="02020603050405020304" pitchFamily="18" charset="0"/>
+              <a:cs typeface="Times New Roman" panose="02020603050405020304" pitchFamily="18" charset="0"/>
+            </a:endParaRPr>
+          </a:p>
+        </p:txBody>
+      </p:sp>
+      <p:cxnSp>
+        <p:nvCxnSpPr>
+          <p:cNvPr id="153" name="コネクタ: カギ線 152">
+            <a:extLst>
+              <a:ext uri="{FF2B5EF4-FFF2-40B4-BE49-F238E27FC236}">
+                <a16:creationId xmlns:a16="http://schemas.microsoft.com/office/drawing/2014/main" id="{BA83BDED-8C73-81AC-A617-F2FE6E40AC06}"/>
+              </a:ext>
+            </a:extLst>
+          </p:cNvPr>
+          <p:cNvCxnSpPr>
+            <a:cxnSpLocks/>
+            <a:stCxn id="7" idx="3"/>
+            <a:endCxn id="139" idx="2"/>
+          </p:cNvCxnSpPr>
+          <p:nvPr/>
+        </p:nvCxnSpPr>
+        <p:spPr>
+          <a:xfrm flipV="1">
+            <a:off x="7110515" y="4756535"/>
+            <a:ext cx="191711" cy="1573534"/>
+          </a:xfrm>
+          <a:prstGeom prst="bentConnector2">
+            <a:avLst/>
+          </a:prstGeom>
+          <a:ln w="38100">
+            <a:solidFill>
+              <a:srgbClr val="70AD47">
+                <a:alpha val="60000"/>
+              </a:srgbClr>
+            </a:solidFill>
+            <a:headEnd type="none" w="med" len="med"/>
+            <a:tailEnd type="triangle" w="med" len="med"/>
+          </a:ln>
+        </p:spPr>
+        <p:style>
+          <a:lnRef idx="1">
+            <a:schemeClr val="accent1"/>
+          </a:lnRef>
+          <a:fillRef idx="0">
+            <a:schemeClr val="accent1"/>
+          </a:fillRef>
+          <a:effectRef idx="0">
+            <a:schemeClr val="accent1"/>
+          </a:effectRef>
+          <a:fontRef idx="minor">
+            <a:schemeClr val="tx1"/>
+          </a:fontRef>
+        </p:style>
+      </p:cxnSp>
+      <p:sp>
+        <p:nvSpPr>
+          <p:cNvPr id="178" name="正方形/長方形 177">
+            <a:extLst>
+              <a:ext uri="{FF2B5EF4-FFF2-40B4-BE49-F238E27FC236}">
+                <a16:creationId xmlns:a16="http://schemas.microsoft.com/office/drawing/2014/main" id="{9D203C14-7445-F5A6-9C11-D49886CD339D}"/>
+              </a:ext>
+            </a:extLst>
+          </p:cNvPr>
+          <p:cNvSpPr/>
+          <p:nvPr/>
+        </p:nvSpPr>
+        <p:spPr>
+          <a:xfrm>
+            <a:off x="7049181" y="2312278"/>
+            <a:ext cx="1355327" cy="743879"/>
           </a:xfrm>
           <a:prstGeom prst="rect">
             <a:avLst/>
@@ -7484,7 +9281,7 @@
           <a:bodyPr rtlCol="0" anchor="t"/>
           <a:lstStyle/>
           <a:p>
-            <a:pPr algn="ctr"/>
+            <a:pPr algn="just"/>
             <a:r>
               <a:rPr lang="en-US" altLang="zh-CN" sz="800" b="1" dirty="0">
                 <a:solidFill>
@@ -7493,13 +9290,23 @@
                 <a:latin typeface="Times New Roman" panose="02020603050405020304" pitchFamily="18" charset="0"/>
                 <a:cs typeface="Times New Roman" panose="02020603050405020304" pitchFamily="18" charset="0"/>
               </a:rPr>
-              <a:t>MessageHandlerSub()</a:t>
+              <a:t>MessageHandlerPub() </a:t>
             </a:r>
           </a:p>
           <a:p>
             <a:pPr algn="just"/>
-            <a:r>
-              <a:rPr lang="en-US" altLang="zh-CN" sz="800" b="1" dirty="0">
+            <a:endParaRPr lang="en-US" altLang="zh-CN" sz="700" b="1" dirty="0">
+              <a:solidFill>
+                <a:schemeClr val="tx1"/>
+              </a:solidFill>
+              <a:latin typeface="Times New Roman" panose="02020603050405020304" pitchFamily="18" charset="0"/>
+              <a:cs typeface="Times New Roman" panose="02020603050405020304" pitchFamily="18" charset="0"/>
+            </a:endParaRPr>
+          </a:p>
+          <a:p>
+            <a:pPr algn="just"/>
+            <a:r>
+              <a:rPr lang="en-US" altLang="zh-CN" sz="700" b="1" dirty="0">
                 <a:solidFill>
                   <a:schemeClr val="tx1"/>
                 </a:solidFill>
@@ -7512,7 +9319,7 @@
           <a:p>
             <a:pPr algn="just"/>
             <a:r>
-              <a:rPr lang="en-US" altLang="zh-CN" sz="800" b="1" dirty="0">
+              <a:rPr lang="en-US" altLang="zh-CN" sz="700" b="1" dirty="0">
                 <a:solidFill>
                   <a:schemeClr val="tx1"/>
                 </a:solidFill>
@@ -7525,20 +9332,20 @@
           <a:p>
             <a:pPr algn="just"/>
             <a:r>
-              <a:rPr lang="en-US" altLang="zh-CN" sz="800" b="1" dirty="0">
+              <a:rPr lang="en-US" altLang="zh-CN" sz="700" b="1" dirty="0">
                 <a:solidFill>
                   <a:schemeClr val="tx1"/>
                 </a:solidFill>
                 <a:latin typeface="Times New Roman" panose="02020603050405020304" pitchFamily="18" charset="0"/>
                 <a:cs typeface="Times New Roman" panose="02020603050405020304" pitchFamily="18" charset="0"/>
               </a:rPr>
-              <a:t>3-exit</a:t>
+              <a:t>3-exit (on-&gt;off)</a:t>
             </a:r>
           </a:p>
           <a:p>
             <a:pPr algn="just"/>
             <a:r>
-              <a:rPr lang="en-US" altLang="zh-CN" sz="800" b="1" dirty="0">
+              <a:rPr lang="en-US" altLang="zh-CN" sz="700" b="1" dirty="0">
                 <a:solidFill>
                   <a:schemeClr val="tx1"/>
                 </a:solidFill>
@@ -7547,6 +9354,9 @@
               </a:rPr>
               <a:t>4-reload_library</a:t>
             </a:r>
+          </a:p>
+          <a:p>
+            <a:pPr algn="ctr"/>
             <a:endParaRPr lang="zh-CN" altLang="en-US" sz="800" b="1" dirty="0">
               <a:solidFill>
                 <a:schemeClr val="tx1"/>
@@ -7557,121 +9367,129 @@
           </a:p>
         </p:txBody>
       </p:sp>
-      <p:cxnSp>
-        <p:nvCxnSpPr>
-          <p:cNvPr id="94" name="直線矢印コネクタ 93">
-            <a:extLst>
-              <a:ext uri="{FF2B5EF4-FFF2-40B4-BE49-F238E27FC236}">
-                <a16:creationId xmlns:a16="http://schemas.microsoft.com/office/drawing/2014/main" id="{2F898DB3-676F-904A-0105-1BBB2D08CF78}"/>
-              </a:ext>
-            </a:extLst>
-          </p:cNvPr>
-          <p:cNvCxnSpPr>
-            <a:cxnSpLocks/>
-            <a:stCxn id="89" idx="0"/>
-            <a:endCxn id="93" idx="2"/>
-          </p:cNvCxnSpPr>
+      <p:sp>
+        <p:nvSpPr>
+          <p:cNvPr id="179" name="正方形/長方形 178">
+            <a:extLst>
+              <a:ext uri="{FF2B5EF4-FFF2-40B4-BE49-F238E27FC236}">
+                <a16:creationId xmlns:a16="http://schemas.microsoft.com/office/drawing/2014/main" id="{4A161D42-ED2D-4521-D2E2-10137072AAEF}"/>
+              </a:ext>
+            </a:extLst>
+          </p:cNvPr>
+          <p:cNvSpPr/>
           <p:nvPr/>
-        </p:nvCxnSpPr>
-        <p:spPr>
-          <a:xfrm flipH="1" flipV="1">
-            <a:off x="7841763" y="3654020"/>
-            <a:ext cx="388583" cy="1116133"/>
-          </a:xfrm>
-          <a:prstGeom prst="straightConnector1">
+        </p:nvSpPr>
+        <p:spPr>
+          <a:xfrm>
+            <a:off x="7466684" y="3063720"/>
+            <a:ext cx="926252" cy="541974"/>
+          </a:xfrm>
+          <a:prstGeom prst="rect">
             <a:avLst/>
           </a:prstGeom>
+          <a:solidFill>
+            <a:schemeClr val="accent5">
+              <a:lumMod val="40000"/>
+              <a:lumOff val="60000"/>
+            </a:schemeClr>
+          </a:solidFill>
           <a:ln>
-            <a:solidFill>
-              <a:schemeClr val="tx1"/>
-            </a:solidFill>
-            <a:tailEnd type="triangle"/>
+            <a:noFill/>
           </a:ln>
         </p:spPr>
         <p:style>
-          <a:lnRef idx="1">
-            <a:schemeClr val="accent1"/>
+          <a:lnRef idx="2">
+            <a:schemeClr val="accent1">
+              <a:shade val="50000"/>
+            </a:schemeClr>
           </a:lnRef>
-          <a:fillRef idx="0">
+          <a:fillRef idx="1">
             <a:schemeClr val="accent1"/>
           </a:fillRef>
           <a:effectRef idx="0">
             <a:schemeClr val="accent1"/>
           </a:effectRef>
           <a:fontRef idx="minor">
-            <a:schemeClr val="tx1"/>
+            <a:schemeClr val="lt1"/>
           </a:fontRef>
         </p:style>
-      </p:cxnSp>
-      <p:sp>
-        <p:nvSpPr>
-          <p:cNvPr id="98" name="テキスト ボックス 97">
-            <a:extLst>
-              <a:ext uri="{FF2B5EF4-FFF2-40B4-BE49-F238E27FC236}">
-                <a16:creationId xmlns:a16="http://schemas.microsoft.com/office/drawing/2014/main" id="{4E50B2D6-B39C-B9B9-A567-A2BE106E18AA}"/>
-              </a:ext>
-            </a:extLst>
-          </p:cNvPr>
-          <p:cNvSpPr txBox="1"/>
-          <p:nvPr/>
-        </p:nvSpPr>
-        <p:spPr>
-          <a:xfrm>
-            <a:off x="7173666" y="6322754"/>
-            <a:ext cx="1045702" cy="246221"/>
-          </a:xfrm>
-          <a:prstGeom prst="rect">
-            <a:avLst/>
-          </a:prstGeom>
-          <a:noFill/>
-        </p:spPr>
-        <p:txBody>
-          <a:bodyPr wrap="square" rtlCol="0">
-            <a:spAutoFit/>
-          </a:bodyPr>
+        <p:txBody>
+          <a:bodyPr rtlCol="0" anchor="t"/>
           <a:lstStyle/>
           <a:p>
             <a:pPr algn="ctr"/>
             <a:r>
-              <a:rPr lang="en-US" altLang="zh-CN" sz="1000" dirty="0">
+              <a:rPr lang="en-US" altLang="zh-CN" sz="700" b="1" dirty="0">
                 <a:solidFill>
-                  <a:srgbClr val="FF0000"/>
+                  <a:schemeClr val="tx1"/>
                 </a:solidFill>
                 <a:latin typeface="Times New Roman" panose="02020603050405020304" pitchFamily="18" charset="0"/>
                 <a:cs typeface="Times New Roman" panose="02020603050405020304" pitchFamily="18" charset="0"/>
               </a:rPr>
-              <a:t>172.17.0.3:1883</a:t>
-            </a:r>
-            <a:endParaRPr lang="zh-CN" altLang="en-US" sz="1000" dirty="0">
+              <a:t>RPCHandlerPub()</a:t>
+            </a:r>
+          </a:p>
+          <a:p>
+            <a:endParaRPr lang="en-US" altLang="zh-CN" sz="700" b="1" dirty="0">
               <a:solidFill>
-                <a:srgbClr val="FF0000"/>
+                <a:schemeClr val="tx1"/>
               </a:solidFill>
               <a:latin typeface="Times New Roman" panose="02020603050405020304" pitchFamily="18" charset="0"/>
               <a:cs typeface="Times New Roman" panose="02020603050405020304" pitchFamily="18" charset="0"/>
             </a:endParaRPr>
           </a:p>
+          <a:p>
+            <a:r>
+              <a:rPr lang="en-US" altLang="zh-CN" sz="700" b="1" dirty="0">
+                <a:solidFill>
+                  <a:schemeClr val="tx1"/>
+                </a:solidFill>
+                <a:latin typeface="Times New Roman" panose="02020603050405020304" pitchFamily="18" charset="0"/>
+                <a:cs typeface="Times New Roman" panose="02020603050405020304" pitchFamily="18" charset="0"/>
+              </a:rPr>
+              <a:t>5-precheck</a:t>
+            </a:r>
+          </a:p>
+          <a:p>
+            <a:r>
+              <a:rPr lang="en-US" altLang="zh-CN" sz="700" b="1" dirty="0">
+                <a:solidFill>
+                  <a:schemeClr val="tx1"/>
+                </a:solidFill>
+                <a:latin typeface="Times New Roman" panose="02020603050405020304" pitchFamily="18" charset="0"/>
+                <a:cs typeface="Times New Roman" panose="02020603050405020304" pitchFamily="18" charset="0"/>
+              </a:rPr>
+              <a:t>6-download library</a:t>
+            </a:r>
+            <a:endParaRPr lang="en-US" altLang="zh-CN" sz="600" b="1" dirty="0">
+              <a:solidFill>
+                <a:schemeClr val="tx1"/>
+              </a:solidFill>
+              <a:latin typeface="Times New Roman" panose="02020603050405020304" pitchFamily="18" charset="0"/>
+              <a:cs typeface="Times New Roman" panose="02020603050405020304" pitchFamily="18" charset="0"/>
+            </a:endParaRPr>
+          </a:p>
         </p:txBody>
       </p:sp>
       <p:cxnSp>
         <p:nvCxnSpPr>
-          <p:cNvPr id="114" name="直線矢印コネクタ 113">
-            <a:extLst>
-              <a:ext uri="{FF2B5EF4-FFF2-40B4-BE49-F238E27FC236}">
-                <a16:creationId xmlns:a16="http://schemas.microsoft.com/office/drawing/2014/main" id="{0DC0CA81-C1EC-0E02-2600-A4C6500EC4A2}"/>
+          <p:cNvPr id="202" name="直線矢印コネクタ 201">
+            <a:extLst>
+              <a:ext uri="{FF2B5EF4-FFF2-40B4-BE49-F238E27FC236}">
+                <a16:creationId xmlns:a16="http://schemas.microsoft.com/office/drawing/2014/main" id="{A7DB4F9B-FDFA-9D12-68B0-50388E901D8D}"/>
               </a:ext>
             </a:extLst>
           </p:cNvPr>
           <p:cNvCxnSpPr>
             <a:cxnSpLocks/>
-            <a:stCxn id="93" idx="3"/>
-            <a:endCxn id="84" idx="1"/>
+            <a:stCxn id="139" idx="0"/>
           </p:cNvCxnSpPr>
           <p:nvPr/>
         </p:nvCxnSpPr>
         <p:spPr>
           <a:xfrm flipV="1">
-            <a:off x="8667267" y="2046560"/>
-            <a:ext cx="1729153" cy="1139637"/>
+            <a:off x="7302226" y="3056157"/>
+            <a:ext cx="42690" cy="1423346"/>
           </a:xfrm>
           <a:prstGeom prst="straightConnector1">
             <a:avLst/>
@@ -7700,27 +9518,29 @@
       </p:cxnSp>
       <p:cxnSp>
         <p:nvCxnSpPr>
-          <p:cNvPr id="117" name="直線矢印コネクタ 116">
-            <a:extLst>
-              <a:ext uri="{FF2B5EF4-FFF2-40B4-BE49-F238E27FC236}">
-                <a16:creationId xmlns:a16="http://schemas.microsoft.com/office/drawing/2014/main" id="{EA7FAA88-0369-4BDC-0301-37E92354E197}"/>
+          <p:cNvPr id="223" name="コネクタ: 曲線 222">
+            <a:extLst>
+              <a:ext uri="{FF2B5EF4-FFF2-40B4-BE49-F238E27FC236}">
+                <a16:creationId xmlns:a16="http://schemas.microsoft.com/office/drawing/2014/main" id="{8F802865-4D49-287C-BCDE-7F64D427D60A}"/>
               </a:ext>
             </a:extLst>
           </p:cNvPr>
           <p:cNvCxnSpPr>
             <a:cxnSpLocks/>
-            <a:stCxn id="93" idx="3"/>
-            <a:endCxn id="85" idx="1"/>
+            <a:stCxn id="85" idx="2"/>
+            <a:endCxn id="68" idx="0"/>
           </p:cNvCxnSpPr>
           <p:nvPr/>
         </p:nvCxnSpPr>
         <p:spPr>
-          <a:xfrm>
-            <a:off x="8667267" y="3186197"/>
-            <a:ext cx="1646499" cy="490859"/>
-          </a:xfrm>
-          <a:prstGeom prst="straightConnector1">
-            <a:avLst/>
+          <a:xfrm rot="5400000">
+            <a:off x="8462483" y="2112119"/>
+            <a:ext cx="1996756" cy="999451"/>
+          </a:xfrm>
+          <a:prstGeom prst="curvedConnector3">
+            <a:avLst>
+              <a:gd name="adj1" fmla="val 66653"/>
+            </a:avLst>
           </a:prstGeom>
           <a:ln>
             <a:solidFill>
@@ -7746,10 +9566,10 @@
       </p:cxnSp>
       <p:sp>
         <p:nvSpPr>
-          <p:cNvPr id="120" name="テキスト ボックス 119">
-            <a:extLst>
-              <a:ext uri="{FF2B5EF4-FFF2-40B4-BE49-F238E27FC236}">
-                <a16:creationId xmlns:a16="http://schemas.microsoft.com/office/drawing/2014/main" id="{BAB92C69-BF2B-E769-D4C6-99B46F4101EA}"/>
+          <p:cNvPr id="227" name="テキスト ボックス 226">
+            <a:extLst>
+              <a:ext uri="{FF2B5EF4-FFF2-40B4-BE49-F238E27FC236}">
+                <a16:creationId xmlns:a16="http://schemas.microsoft.com/office/drawing/2014/main" id="{5457B9C7-4497-AD82-8C6F-C0F8165380DD}"/>
               </a:ext>
             </a:extLst>
           </p:cNvPr>
@@ -7757,9 +9577,9 @@
           <p:nvPr/>
         </p:nvSpPr>
         <p:spPr>
-          <a:xfrm rot="1008116">
-            <a:off x="9063133" y="3449277"/>
-            <a:ext cx="1111119" cy="215444"/>
+          <a:xfrm rot="17512998">
+            <a:off x="9500129" y="2163513"/>
+            <a:ext cx="574293" cy="215444"/>
           </a:xfrm>
           <a:prstGeom prst="rect">
             <a:avLst/>
@@ -7778,93 +9598,7 @@
                 <a:latin typeface="Times New Roman" panose="02020603050405020304" pitchFamily="18" charset="0"/>
                 <a:cs typeface="Times New Roman" panose="02020603050405020304" pitchFamily="18" charset="0"/>
               </a:rPr>
-              <a:t>Pub key_operation</a:t>
-            </a:r>
-            <a:endParaRPr lang="zh-CN" altLang="en-US" sz="800" dirty="0">
-              <a:latin typeface="Times New Roman" panose="02020603050405020304" pitchFamily="18" charset="0"/>
-              <a:cs typeface="Times New Roman" panose="02020603050405020304" pitchFamily="18" charset="0"/>
-            </a:endParaRPr>
-          </a:p>
-        </p:txBody>
-      </p:sp>
-      <p:sp>
-        <p:nvSpPr>
-          <p:cNvPr id="121" name="テキスト ボックス 120">
-            <a:extLst>
-              <a:ext uri="{FF2B5EF4-FFF2-40B4-BE49-F238E27FC236}">
-                <a16:creationId xmlns:a16="http://schemas.microsoft.com/office/drawing/2014/main" id="{0B3532FE-15BA-0CE7-16C8-C07D0C7B946B}"/>
-              </a:ext>
-            </a:extLst>
-          </p:cNvPr>
-          <p:cNvSpPr txBox="1"/>
-          <p:nvPr/>
-        </p:nvSpPr>
-        <p:spPr>
-          <a:xfrm rot="1018962">
-            <a:off x="9337409" y="3282516"/>
-            <a:ext cx="562569" cy="215444"/>
-          </a:xfrm>
-          <a:prstGeom prst="rect">
-            <a:avLst/>
-          </a:prstGeom>
-          <a:noFill/>
-        </p:spPr>
-        <p:txBody>
-          <a:bodyPr wrap="square" rtlCol="0">
-            <a:spAutoFit/>
-          </a:bodyPr>
-          <a:lstStyle/>
-          <a:p>
-            <a:pPr algn="ctr"/>
-            <a:r>
-              <a:rPr lang="en-US" altLang="zh-CN" sz="800" dirty="0">
-                <a:latin typeface="Times New Roman" panose="02020603050405020304" pitchFamily="18" charset="0"/>
-                <a:cs typeface="Times New Roman" panose="02020603050405020304" pitchFamily="18" charset="0"/>
-              </a:rPr>
-              <a:t>manual</a:t>
-            </a:r>
-            <a:endParaRPr lang="zh-CN" altLang="en-US" sz="800" dirty="0">
-              <a:latin typeface="Times New Roman" panose="02020603050405020304" pitchFamily="18" charset="0"/>
-              <a:cs typeface="Times New Roman" panose="02020603050405020304" pitchFamily="18" charset="0"/>
-            </a:endParaRPr>
-          </a:p>
-        </p:txBody>
-      </p:sp>
-      <p:sp>
-        <p:nvSpPr>
-          <p:cNvPr id="122" name="テキスト ボックス 121">
-            <a:extLst>
-              <a:ext uri="{FF2B5EF4-FFF2-40B4-BE49-F238E27FC236}">
-                <a16:creationId xmlns:a16="http://schemas.microsoft.com/office/drawing/2014/main" id="{2C39228A-8636-2E27-2F3F-8B1FDDD18077}"/>
-              </a:ext>
-            </a:extLst>
-          </p:cNvPr>
-          <p:cNvSpPr txBox="1"/>
-          <p:nvPr/>
-        </p:nvSpPr>
-        <p:spPr>
-          <a:xfrm rot="19703706">
-            <a:off x="9281104" y="2361194"/>
-            <a:ext cx="675174" cy="215444"/>
-          </a:xfrm>
-          <a:prstGeom prst="rect">
-            <a:avLst/>
-          </a:prstGeom>
-          <a:noFill/>
-        </p:spPr>
-        <p:txBody>
-          <a:bodyPr wrap="square" rtlCol="0">
-            <a:spAutoFit/>
-          </a:bodyPr>
-          <a:lstStyle/>
-          <a:p>
-            <a:pPr algn="ctr"/>
-            <a:r>
-              <a:rPr lang="en-US" altLang="zh-CN" sz="800" dirty="0">
-                <a:latin typeface="Times New Roman" panose="02020603050405020304" pitchFamily="18" charset="0"/>
-                <a:cs typeface="Times New Roman" panose="02020603050405020304" pitchFamily="18" charset="0"/>
-              </a:rPr>
-              <a:t>automatic</a:t>
+              <a:t>log info</a:t>
             </a:r>
             <a:endParaRPr lang="zh-CN" altLang="en-US" sz="900" dirty="0">
               <a:latin typeface="Times New Roman" panose="02020603050405020304" pitchFamily="18" charset="0"/>
@@ -7875,10 +9609,10 @@
       </p:sp>
       <p:sp>
         <p:nvSpPr>
-          <p:cNvPr id="140" name="正方形/長方形 139">
-            <a:extLst>
-              <a:ext uri="{FF2B5EF4-FFF2-40B4-BE49-F238E27FC236}">
-                <a16:creationId xmlns:a16="http://schemas.microsoft.com/office/drawing/2014/main" id="{9B4F1982-1943-D138-79B2-7F872F44C856}"/>
+          <p:cNvPr id="228" name="雲 227">
+            <a:extLst>
+              <a:ext uri="{FF2B5EF4-FFF2-40B4-BE49-F238E27FC236}">
+                <a16:creationId xmlns:a16="http://schemas.microsoft.com/office/drawing/2014/main" id="{02AD6BB0-51B0-A65D-15CF-603A6CCB082C}"/>
               </a:ext>
             </a:extLst>
           </p:cNvPr>
@@ -7887,16 +9621,19 @@
         </p:nvSpPr>
         <p:spPr>
           <a:xfrm>
-            <a:off x="229587" y="6168581"/>
-            <a:ext cx="401836" cy="161488"/>
-          </a:xfrm>
-          <a:prstGeom prst="rect">
+            <a:off x="10759041" y="160641"/>
+            <a:ext cx="973777" cy="696686"/>
+          </a:xfrm>
+          <a:prstGeom prst="cloud">
             <a:avLst/>
           </a:prstGeom>
           <a:noFill/>
           <a:ln w="38100">
             <a:solidFill>
-              <a:schemeClr val="accent4"/>
+              <a:schemeClr val="accent5">
+                <a:lumMod val="40000"/>
+                <a:lumOff val="60000"/>
+              </a:schemeClr>
             </a:solidFill>
           </a:ln>
         </p:spPr>
@@ -7921,429 +9658,45 @@
           <a:lstStyle/>
           <a:p>
             <a:pPr algn="ctr"/>
-            <a:endParaRPr lang="zh-CN" altLang="en-US" sz="1050" b="1" dirty="0">
-              <a:solidFill>
-                <a:schemeClr val="tx1"/>
-              </a:solidFill>
-              <a:latin typeface="Times New Roman" panose="02020603050405020304" pitchFamily="18" charset="0"/>
-              <a:cs typeface="Times New Roman" panose="02020603050405020304" pitchFamily="18" charset="0"/>
-            </a:endParaRPr>
-          </a:p>
-        </p:txBody>
-      </p:sp>
-      <p:sp>
-        <p:nvSpPr>
-          <p:cNvPr id="141" name="正方形/長方形 140">
-            <a:extLst>
-              <a:ext uri="{FF2B5EF4-FFF2-40B4-BE49-F238E27FC236}">
-                <a16:creationId xmlns:a16="http://schemas.microsoft.com/office/drawing/2014/main" id="{816437CA-4FB9-7174-F454-FB8E30DF6B37}"/>
-              </a:ext>
-            </a:extLst>
-          </p:cNvPr>
-          <p:cNvSpPr/>
-          <p:nvPr/>
-        </p:nvSpPr>
-        <p:spPr>
-          <a:xfrm>
-            <a:off x="230457" y="6513708"/>
-            <a:ext cx="400966" cy="161488"/>
-          </a:xfrm>
-          <a:prstGeom prst="rect">
-            <a:avLst/>
-          </a:prstGeom>
-          <a:noFill/>
-          <a:ln w="38100">
-            <a:solidFill>
-              <a:schemeClr val="tx1"/>
-            </a:solidFill>
-          </a:ln>
-        </p:spPr>
-        <p:style>
-          <a:lnRef idx="2">
-            <a:schemeClr val="accent1">
-              <a:shade val="50000"/>
-            </a:schemeClr>
-          </a:lnRef>
-          <a:fillRef idx="1">
-            <a:schemeClr val="accent1"/>
-          </a:fillRef>
-          <a:effectRef idx="0">
-            <a:schemeClr val="accent1"/>
-          </a:effectRef>
-          <a:fontRef idx="minor">
-            <a:schemeClr val="lt1"/>
-          </a:fontRef>
-        </p:style>
-        <p:txBody>
-          <a:bodyPr rtlCol="0" anchor="ctr"/>
-          <a:lstStyle/>
-          <a:p>
-            <a:pPr algn="ctr"/>
-            <a:endParaRPr lang="zh-CN" altLang="en-US" sz="1050" b="1" dirty="0">
-              <a:solidFill>
-                <a:schemeClr val="tx1"/>
-              </a:solidFill>
-              <a:latin typeface="Times New Roman" panose="02020603050405020304" pitchFamily="18" charset="0"/>
-              <a:cs typeface="Times New Roman" panose="02020603050405020304" pitchFamily="18" charset="0"/>
-            </a:endParaRPr>
-          </a:p>
-        </p:txBody>
-      </p:sp>
-      <p:sp>
-        <p:nvSpPr>
-          <p:cNvPr id="142" name="テキスト ボックス 141">
-            <a:extLst>
-              <a:ext uri="{FF2B5EF4-FFF2-40B4-BE49-F238E27FC236}">
-                <a16:creationId xmlns:a16="http://schemas.microsoft.com/office/drawing/2014/main" id="{B71CCD73-D5E0-80A6-51BE-21F2E83E5420}"/>
-              </a:ext>
-            </a:extLst>
-          </p:cNvPr>
-          <p:cNvSpPr txBox="1"/>
-          <p:nvPr/>
-        </p:nvSpPr>
-        <p:spPr>
-          <a:xfrm>
-            <a:off x="636418" y="6141603"/>
-            <a:ext cx="511399" cy="215444"/>
-          </a:xfrm>
-          <a:prstGeom prst="rect">
-            <a:avLst/>
-          </a:prstGeom>
-          <a:noFill/>
-        </p:spPr>
-        <p:txBody>
-          <a:bodyPr wrap="square" rtlCol="0">
-            <a:spAutoFit/>
-          </a:bodyPr>
-          <a:lstStyle/>
-          <a:p>
-            <a:pPr algn="ctr"/>
-            <a:r>
-              <a:rPr lang="en-US" altLang="zh-CN" sz="800" dirty="0">
-                <a:latin typeface="Times New Roman" panose="02020603050405020304" pitchFamily="18" charset="0"/>
-                <a:cs typeface="Times New Roman" panose="02020603050405020304" pitchFamily="18" charset="0"/>
-              </a:rPr>
-              <a:t>Module</a:t>
-            </a:r>
-            <a:endParaRPr lang="zh-CN" altLang="en-US" sz="800" dirty="0">
-              <a:latin typeface="Times New Roman" panose="02020603050405020304" pitchFamily="18" charset="0"/>
-              <a:cs typeface="Times New Roman" panose="02020603050405020304" pitchFamily="18" charset="0"/>
-            </a:endParaRPr>
-          </a:p>
-        </p:txBody>
-      </p:sp>
-      <p:sp>
-        <p:nvSpPr>
-          <p:cNvPr id="143" name="テキスト ボックス 142">
-            <a:extLst>
-              <a:ext uri="{FF2B5EF4-FFF2-40B4-BE49-F238E27FC236}">
-                <a16:creationId xmlns:a16="http://schemas.microsoft.com/office/drawing/2014/main" id="{8F36DEF0-0848-007B-E028-FD80B5B8CDFD}"/>
-              </a:ext>
-            </a:extLst>
-          </p:cNvPr>
-          <p:cNvSpPr txBox="1"/>
-          <p:nvPr/>
-        </p:nvSpPr>
-        <p:spPr>
-          <a:xfrm>
-            <a:off x="636418" y="6491845"/>
-            <a:ext cx="606579" cy="215444"/>
-          </a:xfrm>
-          <a:prstGeom prst="rect">
-            <a:avLst/>
-          </a:prstGeom>
-          <a:noFill/>
-        </p:spPr>
-        <p:txBody>
-          <a:bodyPr wrap="square" rtlCol="0">
-            <a:spAutoFit/>
-          </a:bodyPr>
-          <a:lstStyle/>
-          <a:p>
-            <a:pPr algn="ctr"/>
-            <a:r>
-              <a:rPr lang="en-US" altLang="zh-CN" sz="800" dirty="0">
-                <a:latin typeface="Times New Roman" panose="02020603050405020304" pitchFamily="18" charset="0"/>
-                <a:cs typeface="Times New Roman" panose="02020603050405020304" pitchFamily="18" charset="0"/>
-              </a:rPr>
-              <a:t>Container</a:t>
-            </a:r>
-            <a:endParaRPr lang="zh-CN" altLang="en-US" sz="800" dirty="0">
-              <a:latin typeface="Times New Roman" panose="02020603050405020304" pitchFamily="18" charset="0"/>
-              <a:cs typeface="Times New Roman" panose="02020603050405020304" pitchFamily="18" charset="0"/>
-            </a:endParaRPr>
-          </a:p>
-        </p:txBody>
-      </p:sp>
-      <p:sp>
-        <p:nvSpPr>
-          <p:cNvPr id="144" name="正方形/長方形 143">
-            <a:extLst>
-              <a:ext uri="{FF2B5EF4-FFF2-40B4-BE49-F238E27FC236}">
-                <a16:creationId xmlns:a16="http://schemas.microsoft.com/office/drawing/2014/main" id="{F8F9FBC8-E7E5-EC9A-34E4-1D805260BAF8}"/>
-              </a:ext>
-            </a:extLst>
-          </p:cNvPr>
-          <p:cNvSpPr/>
-          <p:nvPr/>
-        </p:nvSpPr>
-        <p:spPr>
-          <a:xfrm>
-            <a:off x="225475" y="5834828"/>
-            <a:ext cx="405948" cy="165657"/>
-          </a:xfrm>
-          <a:prstGeom prst="rect">
-            <a:avLst/>
-          </a:prstGeom>
-          <a:noFill/>
-          <a:ln w="38100">
-            <a:solidFill>
-              <a:srgbClr val="7030A0"/>
-            </a:solidFill>
-          </a:ln>
-        </p:spPr>
-        <p:style>
-          <a:lnRef idx="2">
-            <a:schemeClr val="accent1">
-              <a:shade val="50000"/>
-            </a:schemeClr>
-          </a:lnRef>
-          <a:fillRef idx="1">
-            <a:schemeClr val="accent1"/>
-          </a:fillRef>
-          <a:effectRef idx="0">
-            <a:schemeClr val="accent1"/>
-          </a:effectRef>
-          <a:fontRef idx="minor">
-            <a:schemeClr val="lt1"/>
-          </a:fontRef>
-        </p:style>
-        <p:txBody>
-          <a:bodyPr rtlCol="0" anchor="ctr"/>
-          <a:lstStyle/>
-          <a:p>
-            <a:pPr algn="ctr"/>
-            <a:endParaRPr lang="zh-CN" altLang="en-US" sz="1050" b="1" dirty="0">
-              <a:solidFill>
-                <a:schemeClr val="tx1"/>
-              </a:solidFill>
-              <a:latin typeface="Times New Roman" panose="02020603050405020304" pitchFamily="18" charset="0"/>
-              <a:cs typeface="Times New Roman" panose="02020603050405020304" pitchFamily="18" charset="0"/>
-            </a:endParaRPr>
-          </a:p>
-        </p:txBody>
-      </p:sp>
-      <p:sp>
-        <p:nvSpPr>
-          <p:cNvPr id="145" name="テキスト ボックス 144">
-            <a:extLst>
-              <a:ext uri="{FF2B5EF4-FFF2-40B4-BE49-F238E27FC236}">
-                <a16:creationId xmlns:a16="http://schemas.microsoft.com/office/drawing/2014/main" id="{E7BDCA76-0188-5238-B9DF-B8C2FBD1A2EB}"/>
-              </a:ext>
-            </a:extLst>
-          </p:cNvPr>
-          <p:cNvSpPr txBox="1"/>
-          <p:nvPr/>
-        </p:nvSpPr>
-        <p:spPr>
-          <a:xfrm>
-            <a:off x="626753" y="5818339"/>
-            <a:ext cx="830121" cy="215444"/>
-          </a:xfrm>
-          <a:prstGeom prst="rect">
-            <a:avLst/>
-          </a:prstGeom>
-          <a:noFill/>
-        </p:spPr>
-        <p:txBody>
-          <a:bodyPr wrap="square" rtlCol="0">
-            <a:spAutoFit/>
-          </a:bodyPr>
-          <a:lstStyle/>
-          <a:p>
-            <a:pPr algn="ctr"/>
-            <a:r>
-              <a:rPr lang="en-US" altLang="zh-CN" sz="800" dirty="0">
-                <a:latin typeface="Times New Roman" panose="02020603050405020304" pitchFamily="18" charset="0"/>
-                <a:cs typeface="Times New Roman" panose="02020603050405020304" pitchFamily="18" charset="0"/>
-              </a:rPr>
-              <a:t>Executable File</a:t>
-            </a:r>
-            <a:endParaRPr lang="zh-CN" altLang="en-US" sz="800" dirty="0">
-              <a:latin typeface="Times New Roman" panose="02020603050405020304" pitchFamily="18" charset="0"/>
-              <a:cs typeface="Times New Roman" panose="02020603050405020304" pitchFamily="18" charset="0"/>
-            </a:endParaRPr>
-          </a:p>
-        </p:txBody>
-      </p:sp>
-      <p:sp>
-        <p:nvSpPr>
-          <p:cNvPr id="12" name="正方形/長方形 11">
-            <a:extLst>
-              <a:ext uri="{FF2B5EF4-FFF2-40B4-BE49-F238E27FC236}">
-                <a16:creationId xmlns:a16="http://schemas.microsoft.com/office/drawing/2014/main" id="{3A842194-E92C-E111-E11F-14EA2C9FF051}"/>
-              </a:ext>
-            </a:extLst>
-          </p:cNvPr>
-          <p:cNvSpPr/>
-          <p:nvPr/>
-        </p:nvSpPr>
-        <p:spPr>
-          <a:xfrm>
-            <a:off x="3722502" y="4500716"/>
-            <a:ext cx="1160481" cy="360514"/>
-          </a:xfrm>
-          <a:prstGeom prst="rect">
-            <a:avLst/>
-          </a:prstGeom>
-          <a:noFill/>
-          <a:ln w="38100">
-            <a:solidFill>
-              <a:schemeClr val="accent4"/>
-            </a:solidFill>
-          </a:ln>
-        </p:spPr>
-        <p:style>
-          <a:lnRef idx="2">
-            <a:schemeClr val="accent1">
-              <a:shade val="50000"/>
-            </a:schemeClr>
-          </a:lnRef>
-          <a:fillRef idx="1">
-            <a:schemeClr val="accent1"/>
-          </a:fillRef>
-          <a:effectRef idx="0">
-            <a:schemeClr val="accent1"/>
-          </a:effectRef>
-          <a:fontRef idx="minor">
-            <a:schemeClr val="lt1"/>
-          </a:fontRef>
-        </p:style>
-        <p:txBody>
-          <a:bodyPr rtlCol="0" anchor="ctr"/>
-          <a:lstStyle/>
-          <a:p>
-            <a:pPr algn="ctr"/>
-            <a:r>
-              <a:rPr lang="en-US" altLang="zh-CN" sz="800" b="1" dirty="0">
-                <a:solidFill>
-                  <a:schemeClr val="tx1"/>
-                </a:solidFill>
-                <a:latin typeface="Times New Roman" panose="02020603050405020304" pitchFamily="18" charset="0"/>
-                <a:cs typeface="Times New Roman" panose="02020603050405020304" pitchFamily="18" charset="0"/>
-              </a:rPr>
-              <a:t>LogHandlerSub()</a:t>
-            </a:r>
-            <a:endParaRPr lang="zh-CN" altLang="en-US" sz="800" b="1" dirty="0">
-              <a:solidFill>
-                <a:schemeClr val="tx1"/>
-              </a:solidFill>
-              <a:latin typeface="Times New Roman" panose="02020603050405020304" pitchFamily="18" charset="0"/>
-              <a:cs typeface="Times New Roman" panose="02020603050405020304" pitchFamily="18" charset="0"/>
-            </a:endParaRPr>
-          </a:p>
-        </p:txBody>
-      </p:sp>
-      <p:sp>
-        <p:nvSpPr>
-          <p:cNvPr id="38" name="正方形/長方形 37">
-            <a:extLst>
-              <a:ext uri="{FF2B5EF4-FFF2-40B4-BE49-F238E27FC236}">
-                <a16:creationId xmlns:a16="http://schemas.microsoft.com/office/drawing/2014/main" id="{24510CF0-8B14-3F87-5F59-DB4345A2C245}"/>
-              </a:ext>
-            </a:extLst>
-          </p:cNvPr>
-          <p:cNvSpPr/>
-          <p:nvPr/>
-        </p:nvSpPr>
-        <p:spPr>
-          <a:xfrm>
-            <a:off x="9503057" y="4288194"/>
-            <a:ext cx="943270" cy="334651"/>
-          </a:xfrm>
-          <a:prstGeom prst="rect">
-            <a:avLst/>
-          </a:prstGeom>
-          <a:noFill/>
-          <a:ln w="38100">
-            <a:solidFill>
-              <a:schemeClr val="accent4"/>
-            </a:solidFill>
-          </a:ln>
-        </p:spPr>
-        <p:style>
-          <a:lnRef idx="2">
-            <a:schemeClr val="accent1">
-              <a:shade val="50000"/>
-            </a:schemeClr>
-          </a:lnRef>
-          <a:fillRef idx="1">
-            <a:schemeClr val="accent1"/>
-          </a:fillRef>
-          <a:effectRef idx="0">
-            <a:schemeClr val="accent1"/>
-          </a:effectRef>
-          <a:fontRef idx="minor">
-            <a:schemeClr val="lt1"/>
-          </a:fontRef>
-        </p:style>
-        <p:txBody>
-          <a:bodyPr rtlCol="0" anchor="ctr"/>
-          <a:lstStyle/>
-          <a:p>
-            <a:pPr algn="ctr"/>
-            <a:r>
-              <a:rPr lang="en-US" altLang="zh-CN" sz="800" b="1" dirty="0">
-                <a:solidFill>
-                  <a:schemeClr val="tx1"/>
-                </a:solidFill>
-                <a:latin typeface="Times New Roman" panose="02020603050405020304" pitchFamily="18" charset="0"/>
-                <a:cs typeface="Times New Roman" panose="02020603050405020304" pitchFamily="18" charset="0"/>
-              </a:rPr>
-              <a:t>LogHandlerPub()</a:t>
-            </a:r>
-            <a:endParaRPr lang="zh-CN" altLang="en-US" sz="800" b="1" dirty="0">
-              <a:solidFill>
-                <a:schemeClr val="tx1"/>
-              </a:solidFill>
-              <a:latin typeface="Times New Roman" panose="02020603050405020304" pitchFamily="18" charset="0"/>
-              <a:cs typeface="Times New Roman" panose="02020603050405020304" pitchFamily="18" charset="0"/>
-            </a:endParaRPr>
+            <a:endParaRPr lang="zh-CN" altLang="en-US"/>
           </a:p>
         </p:txBody>
       </p:sp>
       <p:cxnSp>
         <p:nvCxnSpPr>
-          <p:cNvPr id="19" name="コネクタ: カギ線 18">
-            <a:extLst>
-              <a:ext uri="{FF2B5EF4-FFF2-40B4-BE49-F238E27FC236}">
-                <a16:creationId xmlns:a16="http://schemas.microsoft.com/office/drawing/2014/main" id="{8F11E85F-9AFB-64AE-6051-F4EBE6EC46D6}"/>
+          <p:cNvPr id="229" name="コネクタ: 曲線 228">
+            <a:extLst>
+              <a:ext uri="{FF2B5EF4-FFF2-40B4-BE49-F238E27FC236}">
+                <a16:creationId xmlns:a16="http://schemas.microsoft.com/office/drawing/2014/main" id="{3D2F6F4F-FEB2-7B89-5E53-D56F3EC0E8E1}"/>
               </a:ext>
             </a:extLst>
           </p:cNvPr>
           <p:cNvCxnSpPr>
             <a:cxnSpLocks/>
-            <a:stCxn id="7" idx="1"/>
-            <a:endCxn id="12" idx="2"/>
+            <a:stCxn id="228" idx="1"/>
+            <a:endCxn id="183" idx="0"/>
           </p:cNvCxnSpPr>
           <p:nvPr/>
         </p:nvCxnSpPr>
         <p:spPr>
-          <a:xfrm rot="10800000">
-            <a:off x="4302743" y="4861231"/>
-            <a:ext cx="952170" cy="1468839"/>
-          </a:xfrm>
-          <a:prstGeom prst="bentConnector2">
-            <a:avLst/>
-          </a:prstGeom>
-          <a:ln w="38100">
+          <a:xfrm rot="5400000">
+            <a:off x="9945803" y="1975442"/>
+            <a:ext cx="2418985" cy="181270"/>
+          </a:xfrm>
+          <a:prstGeom prst="curvedConnector3">
+            <a:avLst>
+              <a:gd name="adj1" fmla="val 50000"/>
+            </a:avLst>
+          </a:prstGeom>
+          <a:ln w="28575">
             <a:solidFill>
-              <a:srgbClr val="7030A0">
-                <a:alpha val="50196"/>
-              </a:srgbClr>
+              <a:schemeClr val="accent5">
+                <a:lumMod val="40000"/>
+                <a:lumOff val="60000"/>
+              </a:schemeClr>
             </a:solidFill>
-            <a:headEnd type="none" w="med" len="med"/>
-            <a:tailEnd type="triangle" w="med" len="med"/>
+            <a:prstDash val="dash"/>
+            <a:tailEnd type="triangle"/>
           </a:ln>
         </p:spPr>
         <p:style>
@@ -8363,313 +9716,10 @@
       </p:cxnSp>
       <p:sp>
         <p:nvSpPr>
-          <p:cNvPr id="54" name="正方形/長方形 53">
-            <a:extLst>
-              <a:ext uri="{FF2B5EF4-FFF2-40B4-BE49-F238E27FC236}">
-                <a16:creationId xmlns:a16="http://schemas.microsoft.com/office/drawing/2014/main" id="{7214490E-CB4C-859F-30ED-71B09D2A0232}"/>
-              </a:ext>
-            </a:extLst>
-          </p:cNvPr>
-          <p:cNvSpPr/>
-          <p:nvPr/>
-        </p:nvSpPr>
-        <p:spPr>
-          <a:xfrm>
-            <a:off x="3188260" y="3592530"/>
-            <a:ext cx="732434" cy="295700"/>
-          </a:xfrm>
-          <a:prstGeom prst="rect">
-            <a:avLst/>
-          </a:prstGeom>
-          <a:solidFill>
-            <a:schemeClr val="accent2">
-              <a:lumMod val="40000"/>
-              <a:lumOff val="60000"/>
-            </a:schemeClr>
-          </a:solidFill>
-          <a:ln>
-            <a:noFill/>
-          </a:ln>
-        </p:spPr>
-        <p:style>
-          <a:lnRef idx="2">
-            <a:schemeClr val="accent1">
-              <a:shade val="50000"/>
-            </a:schemeClr>
-          </a:lnRef>
-          <a:fillRef idx="1">
-            <a:schemeClr val="accent1"/>
-          </a:fillRef>
-          <a:effectRef idx="0">
-            <a:schemeClr val="accent1"/>
-          </a:effectRef>
-          <a:fontRef idx="minor">
-            <a:schemeClr val="lt1"/>
-          </a:fontRef>
-        </p:style>
-        <p:txBody>
-          <a:bodyPr rtlCol="0" anchor="ctr"/>
-          <a:lstStyle/>
-          <a:p>
-            <a:pPr algn="ctr"/>
-            <a:r>
-              <a:rPr lang="en-US" altLang="zh-CN" sz="800" b="1" dirty="0">
-                <a:solidFill>
-                  <a:schemeClr val="tx1"/>
-                </a:solidFill>
-                <a:latin typeface="Times New Roman" panose="02020603050405020304" pitchFamily="18" charset="0"/>
-                <a:cs typeface="Times New Roman" panose="02020603050405020304" pitchFamily="18" charset="0"/>
-              </a:rPr>
-              <a:t>LogHandlerSub()</a:t>
-            </a:r>
-            <a:endParaRPr lang="zh-CN" altLang="en-US" sz="800" b="1" dirty="0">
-              <a:solidFill>
-                <a:schemeClr val="tx1"/>
-              </a:solidFill>
-              <a:latin typeface="Times New Roman" panose="02020603050405020304" pitchFamily="18" charset="0"/>
-              <a:cs typeface="Times New Roman" panose="02020603050405020304" pitchFamily="18" charset="0"/>
-            </a:endParaRPr>
-          </a:p>
-        </p:txBody>
-      </p:sp>
-      <p:cxnSp>
-        <p:nvCxnSpPr>
-          <p:cNvPr id="64" name="直線矢印コネクタ 63">
-            <a:extLst>
-              <a:ext uri="{FF2B5EF4-FFF2-40B4-BE49-F238E27FC236}">
-                <a16:creationId xmlns:a16="http://schemas.microsoft.com/office/drawing/2014/main" id="{0472CD3A-7130-5715-A123-5B9CE98952D3}"/>
-              </a:ext>
-            </a:extLst>
-          </p:cNvPr>
-          <p:cNvCxnSpPr>
-            <a:cxnSpLocks/>
-            <a:stCxn id="12" idx="0"/>
-            <a:endCxn id="54" idx="2"/>
-          </p:cNvCxnSpPr>
-          <p:nvPr/>
-        </p:nvCxnSpPr>
-        <p:spPr>
-          <a:xfrm flipH="1" flipV="1">
-            <a:off x="3554477" y="3888230"/>
-            <a:ext cx="748266" cy="612486"/>
-          </a:xfrm>
-          <a:prstGeom prst="straightConnector1">
-            <a:avLst/>
-          </a:prstGeom>
-          <a:ln>
-            <a:solidFill>
-              <a:schemeClr val="tx1"/>
-            </a:solidFill>
-            <a:headEnd type="triangle" w="med" len="med"/>
-            <a:tailEnd type="none" w="med" len="med"/>
-          </a:ln>
-        </p:spPr>
-        <p:style>
-          <a:lnRef idx="1">
-            <a:schemeClr val="accent1"/>
-          </a:lnRef>
-          <a:fillRef idx="0">
-            <a:schemeClr val="accent1"/>
-          </a:fillRef>
-          <a:effectRef idx="0">
-            <a:schemeClr val="accent1"/>
-          </a:effectRef>
-          <a:fontRef idx="minor">
-            <a:schemeClr val="tx1"/>
-          </a:fontRef>
-        </p:style>
-      </p:cxnSp>
-      <p:sp>
-        <p:nvSpPr>
-          <p:cNvPr id="68" name="正方形/長方形 67">
-            <a:extLst>
-              <a:ext uri="{FF2B5EF4-FFF2-40B4-BE49-F238E27FC236}">
-                <a16:creationId xmlns:a16="http://schemas.microsoft.com/office/drawing/2014/main" id="{C2D404E8-30CB-84D3-E9F2-937A7B991479}"/>
-              </a:ext>
-            </a:extLst>
-          </p:cNvPr>
-          <p:cNvSpPr/>
-          <p:nvPr/>
-        </p:nvSpPr>
-        <p:spPr>
-          <a:xfrm>
-            <a:off x="7891688" y="3249116"/>
-            <a:ext cx="736882" cy="295719"/>
-          </a:xfrm>
-          <a:prstGeom prst="rect">
-            <a:avLst/>
-          </a:prstGeom>
-          <a:solidFill>
-            <a:schemeClr val="accent2">
-              <a:lumMod val="40000"/>
-              <a:lumOff val="60000"/>
-            </a:schemeClr>
-          </a:solidFill>
-          <a:ln>
-            <a:noFill/>
-          </a:ln>
-        </p:spPr>
-        <p:style>
-          <a:lnRef idx="2">
-            <a:schemeClr val="accent1">
-              <a:shade val="50000"/>
-            </a:schemeClr>
-          </a:lnRef>
-          <a:fillRef idx="1">
-            <a:schemeClr val="accent1"/>
-          </a:fillRef>
-          <a:effectRef idx="0">
-            <a:schemeClr val="accent1"/>
-          </a:effectRef>
-          <a:fontRef idx="minor">
-            <a:schemeClr val="lt1"/>
-          </a:fontRef>
-        </p:style>
-        <p:txBody>
-          <a:bodyPr rtlCol="0" anchor="ctr"/>
-          <a:lstStyle/>
-          <a:p>
-            <a:pPr algn="ctr"/>
-            <a:r>
-              <a:rPr lang="en-US" altLang="zh-CN" sz="800" b="1" dirty="0">
-                <a:solidFill>
-                  <a:schemeClr val="tx1"/>
-                </a:solidFill>
-                <a:latin typeface="Times New Roman" panose="02020603050405020304" pitchFamily="18" charset="0"/>
-                <a:cs typeface="Times New Roman" panose="02020603050405020304" pitchFamily="18" charset="0"/>
-              </a:rPr>
-              <a:t>LogHandlerPub</a:t>
-            </a:r>
-            <a:r>
-              <a:rPr lang="en-US" altLang="zh-CN" sz="900" b="1" dirty="0">
-                <a:solidFill>
-                  <a:schemeClr val="tx1"/>
-                </a:solidFill>
-                <a:latin typeface="Times New Roman" panose="02020603050405020304" pitchFamily="18" charset="0"/>
-                <a:cs typeface="Times New Roman" panose="02020603050405020304" pitchFamily="18" charset="0"/>
-              </a:rPr>
-              <a:t>()</a:t>
-            </a:r>
-            <a:endParaRPr lang="zh-CN" altLang="en-US" sz="900" b="1" dirty="0">
-              <a:solidFill>
-                <a:schemeClr val="tx1"/>
-              </a:solidFill>
-              <a:latin typeface="Times New Roman" panose="02020603050405020304" pitchFamily="18" charset="0"/>
-              <a:cs typeface="Times New Roman" panose="02020603050405020304" pitchFamily="18" charset="0"/>
-            </a:endParaRPr>
-          </a:p>
-        </p:txBody>
-      </p:sp>
-      <p:cxnSp>
-        <p:nvCxnSpPr>
-          <p:cNvPr id="69" name="直線矢印コネクタ 68">
-            <a:extLst>
-              <a:ext uri="{FF2B5EF4-FFF2-40B4-BE49-F238E27FC236}">
-                <a16:creationId xmlns:a16="http://schemas.microsoft.com/office/drawing/2014/main" id="{F2FB1150-3AE0-57DD-FC8F-4F2309D93836}"/>
-              </a:ext>
-            </a:extLst>
-          </p:cNvPr>
-          <p:cNvCxnSpPr>
-            <a:cxnSpLocks/>
-            <a:stCxn id="68" idx="3"/>
-            <a:endCxn id="38" idx="0"/>
-          </p:cNvCxnSpPr>
-          <p:nvPr/>
-        </p:nvCxnSpPr>
-        <p:spPr>
-          <a:xfrm>
-            <a:off x="8628570" y="3396976"/>
-            <a:ext cx="1346122" cy="891218"/>
-          </a:xfrm>
-          <a:prstGeom prst="straightConnector1">
-            <a:avLst/>
-          </a:prstGeom>
-          <a:ln>
-            <a:solidFill>
-              <a:schemeClr val="tx1"/>
-            </a:solidFill>
-            <a:tailEnd type="triangle"/>
-          </a:ln>
-        </p:spPr>
-        <p:style>
-          <a:lnRef idx="1">
-            <a:schemeClr val="accent1"/>
-          </a:lnRef>
-          <a:fillRef idx="0">
-            <a:schemeClr val="accent1"/>
-          </a:fillRef>
-          <a:effectRef idx="0">
-            <a:schemeClr val="accent1"/>
-          </a:effectRef>
-          <a:fontRef idx="minor">
-            <a:schemeClr val="tx1"/>
-          </a:fontRef>
-        </p:style>
-      </p:cxnSp>
-      <p:sp>
-        <p:nvSpPr>
-          <p:cNvPr id="101" name="正方形/長方形 100">
-            <a:extLst>
-              <a:ext uri="{FF2B5EF4-FFF2-40B4-BE49-F238E27FC236}">
-                <a16:creationId xmlns:a16="http://schemas.microsoft.com/office/drawing/2014/main" id="{5D1E30F2-8424-3DA4-796E-CAE8545B267B}"/>
-              </a:ext>
-            </a:extLst>
-          </p:cNvPr>
-          <p:cNvSpPr/>
-          <p:nvPr/>
-        </p:nvSpPr>
-        <p:spPr>
-          <a:xfrm>
-            <a:off x="1337762" y="6524324"/>
-            <a:ext cx="401836" cy="161488"/>
-          </a:xfrm>
-          <a:prstGeom prst="rect">
-            <a:avLst/>
-          </a:prstGeom>
-          <a:noFill/>
-          <a:ln w="38100">
-            <a:solidFill>
-              <a:schemeClr val="accent2"/>
-            </a:solidFill>
-          </a:ln>
-        </p:spPr>
-        <p:style>
-          <a:lnRef idx="2">
-            <a:schemeClr val="accent1">
-              <a:shade val="50000"/>
-            </a:schemeClr>
-          </a:lnRef>
-          <a:fillRef idx="1">
-            <a:schemeClr val="accent1"/>
-          </a:fillRef>
-          <a:effectRef idx="0">
-            <a:schemeClr val="accent1"/>
-          </a:effectRef>
-          <a:fontRef idx="minor">
-            <a:schemeClr val="lt1"/>
-          </a:fontRef>
-        </p:style>
-        <p:txBody>
-          <a:bodyPr rtlCol="0" anchor="ctr"/>
-          <a:lstStyle/>
-          <a:p>
-            <a:pPr algn="ctr"/>
-            <a:endParaRPr lang="zh-CN" altLang="en-US" sz="1050" b="1" dirty="0">
-              <a:solidFill>
-                <a:schemeClr val="tx1"/>
-              </a:solidFill>
-              <a:latin typeface="Times New Roman" panose="02020603050405020304" pitchFamily="18" charset="0"/>
-              <a:cs typeface="Times New Roman" panose="02020603050405020304" pitchFamily="18" charset="0"/>
-            </a:endParaRPr>
-          </a:p>
-        </p:txBody>
-      </p:sp>
-      <p:sp>
-        <p:nvSpPr>
-          <p:cNvPr id="102" name="テキスト ボックス 101">
-            <a:extLst>
-              <a:ext uri="{FF2B5EF4-FFF2-40B4-BE49-F238E27FC236}">
-                <a16:creationId xmlns:a16="http://schemas.microsoft.com/office/drawing/2014/main" id="{09B4C8B9-7520-B08B-0F08-D611DDC49232}"/>
+          <p:cNvPr id="232" name="テキスト ボックス 231">
+            <a:extLst>
+              <a:ext uri="{FF2B5EF4-FFF2-40B4-BE49-F238E27FC236}">
+                <a16:creationId xmlns:a16="http://schemas.microsoft.com/office/drawing/2014/main" id="{D0EB2906-6B8E-3B4F-D3AA-9F457DE03495}"/>
               </a:ext>
             </a:extLst>
           </p:cNvPr>
@@ -8677,9 +9727,9 @@
           <p:nvPr/>
         </p:nvSpPr>
         <p:spPr>
-          <a:xfrm>
-            <a:off x="1737107" y="6495911"/>
-            <a:ext cx="771471" cy="215444"/>
+          <a:xfrm rot="16756948">
+            <a:off x="10542476" y="1881242"/>
+            <a:ext cx="970258" cy="215444"/>
           </a:xfrm>
           <a:prstGeom prst="rect">
             <a:avLst/>
@@ -8698,7 +9748,21 @@
                 <a:latin typeface="Times New Roman" panose="02020603050405020304" pitchFamily="18" charset="0"/>
                 <a:cs typeface="Times New Roman" panose="02020603050405020304" pitchFamily="18" charset="0"/>
               </a:rPr>
-              <a:t>Dynamic-Lib</a:t>
+              <a:t>Download (</a:t>
+            </a:r>
+            <a:r>
+              <a:rPr lang="en-US" altLang="zh-CN" sz="800" dirty="0" err="1">
+                <a:latin typeface="Times New Roman" panose="02020603050405020304" pitchFamily="18" charset="0"/>
+                <a:cs typeface="Times New Roman" panose="02020603050405020304" pitchFamily="18" charset="0"/>
+              </a:rPr>
+              <a:t>Github</a:t>
+            </a:r>
+            <a:r>
+              <a:rPr lang="en-US" altLang="zh-CN" sz="800" dirty="0">
+                <a:latin typeface="Times New Roman" panose="02020603050405020304" pitchFamily="18" charset="0"/>
+                <a:cs typeface="Times New Roman" panose="02020603050405020304" pitchFamily="18" charset="0"/>
+              </a:rPr>
+              <a:t>)</a:t>
             </a:r>
             <a:endParaRPr lang="zh-CN" altLang="en-US" sz="800" dirty="0">
               <a:latin typeface="Times New Roman" panose="02020603050405020304" pitchFamily="18" charset="0"/>
@@ -8707,216 +9771,10 @@
           </a:p>
         </p:txBody>
       </p:sp>
-      <p:cxnSp>
-        <p:nvCxnSpPr>
-          <p:cNvPr id="126" name="コネクタ: 曲線 125">
-            <a:extLst>
-              <a:ext uri="{FF2B5EF4-FFF2-40B4-BE49-F238E27FC236}">
-                <a16:creationId xmlns:a16="http://schemas.microsoft.com/office/drawing/2014/main" id="{93B8ED55-1923-608C-7469-FC2CCF549ED6}"/>
-              </a:ext>
-            </a:extLst>
-          </p:cNvPr>
-          <p:cNvCxnSpPr>
-            <a:cxnSpLocks/>
-            <a:stCxn id="84" idx="1"/>
-            <a:endCxn id="68" idx="0"/>
-          </p:cNvCxnSpPr>
-          <p:nvPr/>
-        </p:nvCxnSpPr>
-        <p:spPr>
-          <a:xfrm rot="10800000" flipV="1">
-            <a:off x="8260130" y="2046560"/>
-            <a:ext cx="2136291" cy="1202556"/>
-          </a:xfrm>
-          <a:prstGeom prst="curvedConnector2">
-            <a:avLst/>
-          </a:prstGeom>
-          <a:ln>
-            <a:solidFill>
-              <a:schemeClr val="tx1"/>
-            </a:solidFill>
-            <a:tailEnd type="triangle"/>
-          </a:ln>
-        </p:spPr>
-        <p:style>
-          <a:lnRef idx="1">
-            <a:schemeClr val="accent1"/>
-          </a:lnRef>
-          <a:fillRef idx="0">
-            <a:schemeClr val="accent1"/>
-          </a:fillRef>
-          <a:effectRef idx="0">
-            <a:schemeClr val="accent1"/>
-          </a:effectRef>
-          <a:fontRef idx="minor">
-            <a:schemeClr val="tx1"/>
-          </a:fontRef>
-        </p:style>
-      </p:cxnSp>
-      <p:cxnSp>
-        <p:nvCxnSpPr>
-          <p:cNvPr id="136" name="コネクタ: カギ線 135">
-            <a:extLst>
-              <a:ext uri="{FF2B5EF4-FFF2-40B4-BE49-F238E27FC236}">
-                <a16:creationId xmlns:a16="http://schemas.microsoft.com/office/drawing/2014/main" id="{AEF25F64-5D85-C982-C1D7-44D3054DC69B}"/>
-              </a:ext>
-            </a:extLst>
-          </p:cNvPr>
-          <p:cNvCxnSpPr>
-            <a:cxnSpLocks/>
-            <a:stCxn id="38" idx="2"/>
-            <a:endCxn id="7" idx="3"/>
-          </p:cNvCxnSpPr>
-          <p:nvPr/>
-        </p:nvCxnSpPr>
-        <p:spPr>
-          <a:xfrm rot="5400000">
-            <a:off x="7688992" y="4044369"/>
-            <a:ext cx="1707224" cy="2864177"/>
-          </a:xfrm>
-          <a:prstGeom prst="bentConnector2">
-            <a:avLst/>
-          </a:prstGeom>
-          <a:ln w="38100">
-            <a:solidFill>
-              <a:srgbClr val="7030A0">
-                <a:alpha val="50196"/>
-              </a:srgbClr>
-            </a:solidFill>
-            <a:headEnd type="none" w="med" len="med"/>
-            <a:tailEnd type="triangle" w="med" len="med"/>
-          </a:ln>
-        </p:spPr>
-        <p:style>
-          <a:lnRef idx="1">
-            <a:schemeClr val="accent1"/>
-          </a:lnRef>
-          <a:fillRef idx="0">
-            <a:schemeClr val="accent1"/>
-          </a:fillRef>
-          <a:effectRef idx="0">
-            <a:schemeClr val="accent1"/>
-          </a:effectRef>
-          <a:fontRef idx="minor">
-            <a:schemeClr val="tx1"/>
-          </a:fontRef>
-        </p:style>
-      </p:cxnSp>
-      <p:sp>
-        <p:nvSpPr>
-          <p:cNvPr id="163" name="テキスト ボックス 162">
-            <a:extLst>
-              <a:ext uri="{FF2B5EF4-FFF2-40B4-BE49-F238E27FC236}">
-                <a16:creationId xmlns:a16="http://schemas.microsoft.com/office/drawing/2014/main" id="{C9ECC8C0-0633-BA3C-FAC3-64951987443A}"/>
-              </a:ext>
-            </a:extLst>
-          </p:cNvPr>
-          <p:cNvSpPr txBox="1"/>
-          <p:nvPr/>
-        </p:nvSpPr>
-        <p:spPr>
-          <a:xfrm rot="20982852">
-            <a:off x="9373748" y="1919981"/>
-            <a:ext cx="574293" cy="215444"/>
-          </a:xfrm>
-          <a:prstGeom prst="rect">
-            <a:avLst/>
-          </a:prstGeom>
-          <a:noFill/>
-        </p:spPr>
-        <p:txBody>
-          <a:bodyPr wrap="square" rtlCol="0">
-            <a:spAutoFit/>
-          </a:bodyPr>
-          <a:lstStyle/>
-          <a:p>
-            <a:pPr algn="ctr"/>
-            <a:r>
-              <a:rPr lang="en-US" altLang="zh-CN" sz="800" dirty="0">
-                <a:latin typeface="Times New Roman" panose="02020603050405020304" pitchFamily="18" charset="0"/>
-                <a:cs typeface="Times New Roman" panose="02020603050405020304" pitchFamily="18" charset="0"/>
-              </a:rPr>
-              <a:t>log info</a:t>
-            </a:r>
-            <a:endParaRPr lang="zh-CN" altLang="en-US" sz="900" dirty="0">
-              <a:latin typeface="Times New Roman" panose="02020603050405020304" pitchFamily="18" charset="0"/>
-              <a:cs typeface="Times New Roman" panose="02020603050405020304" pitchFamily="18" charset="0"/>
-            </a:endParaRPr>
-          </a:p>
-        </p:txBody>
-      </p:sp>
-      <p:sp>
-        <p:nvSpPr>
-          <p:cNvPr id="183" name="正方形/長方形 182">
-            <a:extLst>
-              <a:ext uri="{FF2B5EF4-FFF2-40B4-BE49-F238E27FC236}">
-                <a16:creationId xmlns:a16="http://schemas.microsoft.com/office/drawing/2014/main" id="{35782DA4-565D-D322-52CD-EFBED231437C}"/>
-              </a:ext>
-            </a:extLst>
-          </p:cNvPr>
-          <p:cNvSpPr/>
-          <p:nvPr/>
-        </p:nvSpPr>
-        <p:spPr>
-          <a:xfrm>
-            <a:off x="10313765" y="1255302"/>
-            <a:ext cx="819037" cy="334652"/>
-          </a:xfrm>
-          <a:prstGeom prst="rect">
-            <a:avLst/>
-          </a:prstGeom>
-          <a:noFill/>
-          <a:ln w="38100">
-            <a:solidFill>
-              <a:schemeClr val="accent2"/>
-            </a:solidFill>
-          </a:ln>
-        </p:spPr>
-        <p:style>
-          <a:lnRef idx="2">
-            <a:schemeClr val="accent1">
-              <a:shade val="50000"/>
-            </a:schemeClr>
-          </a:lnRef>
-          <a:fillRef idx="1">
-            <a:schemeClr val="accent1"/>
-          </a:fillRef>
-          <a:effectRef idx="0">
-            <a:schemeClr val="accent1"/>
-          </a:effectRef>
-          <a:fontRef idx="minor">
-            <a:schemeClr val="lt1"/>
-          </a:fontRef>
-        </p:style>
-        <p:txBody>
-          <a:bodyPr rtlCol="0" anchor="ctr"/>
-          <a:lstStyle/>
-          <a:p>
-            <a:pPr algn="ctr"/>
-            <a:r>
-              <a:rPr lang="en-US" altLang="zh-CN" sz="800" b="1" dirty="0">
-                <a:solidFill>
-                  <a:schemeClr val="tx1"/>
-                </a:solidFill>
-                <a:latin typeface="Times New Roman" panose="02020603050405020304" pitchFamily="18" charset="0"/>
-                <a:cs typeface="Times New Roman" panose="02020603050405020304" pitchFamily="18" charset="0"/>
-              </a:rPr>
-              <a:t>LibTurtlesimUpdate.so</a:t>
-            </a:r>
-            <a:endParaRPr lang="zh-CN" altLang="en-US" sz="800" b="1" dirty="0">
-              <a:solidFill>
-                <a:schemeClr val="tx1"/>
-              </a:solidFill>
-              <a:latin typeface="Times New Roman" panose="02020603050405020304" pitchFamily="18" charset="0"/>
-              <a:cs typeface="Times New Roman" panose="02020603050405020304" pitchFamily="18" charset="0"/>
-            </a:endParaRPr>
-          </a:p>
-        </p:txBody>
-      </p:sp>
     </p:spTree>
     <p:extLst>
       <p:ext uri="{BB962C8B-B14F-4D97-AF65-F5344CB8AC3E}">
-        <p14:creationId xmlns:p14="http://schemas.microsoft.com/office/powerpoint/2010/main" val="1646530813"/>
+        <p14:creationId xmlns:p14="http://schemas.microsoft.com/office/powerpoint/2010/main" val="1394496418"/>
       </p:ext>
     </p:extLst>
   </p:cSld>
